--- a/presentations/source/12-Composition.pptx
+++ b/presentations/source/12-Composition.pptx
@@ -224,7 +224,7 @@
             <a:fld id="{7307762F-A706-E543-A832-3C298AA3103F}" type="datetimeFigureOut">
               <a:rPr lang="en-US" smtClean="0"/>
               <a:pPr/>
-              <a:t>09/12/2012</a:t>
+              <a:t>18/12/2012</a:t>
             </a:fld>
             <a:endParaRPr lang="en-US" dirty="0"/>
           </a:p>
@@ -791,7 +791,7 @@
           <a:p>
             <a:fld id="{875CF0EB-321F-0749-B37A-89BBA859503C}" type="datetimeFigureOut">
               <a:rPr lang="en-US" smtClean="0"/>
-              <a:t>09/12/2012</a:t>
+              <a:t>18/12/2012</a:t>
             </a:fld>
             <a:endParaRPr lang="en-US"/>
           </a:p>
@@ -995,7 +995,7 @@
           <a:p>
             <a:fld id="{875CF0EB-321F-0749-B37A-89BBA859503C}" type="datetimeFigureOut">
               <a:rPr lang="en-US" smtClean="0"/>
-              <a:t>09/12/2012</a:t>
+              <a:t>18/12/2012</a:t>
             </a:fld>
             <a:endParaRPr lang="en-US"/>
           </a:p>
@@ -1189,7 +1189,7 @@
           <a:p>
             <a:fld id="{875CF0EB-321F-0749-B37A-89BBA859503C}" type="datetimeFigureOut">
               <a:rPr lang="en-US" smtClean="0"/>
-              <a:t>09/12/2012</a:t>
+              <a:t>18/12/2012</a:t>
             </a:fld>
             <a:endParaRPr lang="en-US"/>
           </a:p>
@@ -1459,7 +1459,7 @@
           <a:p>
             <a:fld id="{875CF0EB-321F-0749-B37A-89BBA859503C}" type="datetimeFigureOut">
               <a:rPr lang="en-US" smtClean="0"/>
-              <a:t>09/12/2012</a:t>
+              <a:t>18/12/2012</a:t>
             </a:fld>
             <a:endParaRPr lang="en-US"/>
           </a:p>
@@ -1771,7 +1771,7 @@
           <a:p>
             <a:fld id="{875CF0EB-321F-0749-B37A-89BBA859503C}" type="datetimeFigureOut">
               <a:rPr lang="en-US" smtClean="0"/>
-              <a:t>09/12/2012</a:t>
+              <a:t>18/12/2012</a:t>
             </a:fld>
             <a:endParaRPr lang="en-US"/>
           </a:p>
@@ -2217,7 +2217,7 @@
           <a:p>
             <a:fld id="{875CF0EB-321F-0749-B37A-89BBA859503C}" type="datetimeFigureOut">
               <a:rPr lang="en-US" smtClean="0"/>
-              <a:t>09/12/2012</a:t>
+              <a:t>18/12/2012</a:t>
             </a:fld>
             <a:endParaRPr lang="en-US"/>
           </a:p>
@@ -2359,7 +2359,7 @@
           <a:p>
             <a:fld id="{875CF0EB-321F-0749-B37A-89BBA859503C}" type="datetimeFigureOut">
               <a:rPr lang="en-US" smtClean="0"/>
-              <a:t>09/12/2012</a:t>
+              <a:t>18/12/2012</a:t>
             </a:fld>
             <a:endParaRPr lang="en-US"/>
           </a:p>
@@ -2478,7 +2478,7 @@
           <a:p>
             <a:fld id="{875CF0EB-321F-0749-B37A-89BBA859503C}" type="datetimeFigureOut">
               <a:rPr lang="en-US" smtClean="0"/>
-              <a:t>09/12/2012</a:t>
+              <a:t>18/12/2012</a:t>
             </a:fld>
             <a:endParaRPr lang="en-US"/>
           </a:p>
@@ -2779,7 +2779,7 @@
           <a:p>
             <a:fld id="{875CF0EB-321F-0749-B37A-89BBA859503C}" type="datetimeFigureOut">
               <a:rPr lang="en-US" smtClean="0"/>
-              <a:t>09/12/2012</a:t>
+              <a:t>18/12/2012</a:t>
             </a:fld>
             <a:endParaRPr lang="en-US"/>
           </a:p>
@@ -3056,7 +3056,7 @@
           <a:p>
             <a:fld id="{875CF0EB-321F-0749-B37A-89BBA859503C}" type="datetimeFigureOut">
               <a:rPr lang="en-US" smtClean="0"/>
-              <a:t>09/12/2012</a:t>
+              <a:t>18/12/2012</a:t>
             </a:fld>
             <a:endParaRPr lang="en-US"/>
           </a:p>
@@ -3857,10 +3857,57 @@
           <a:lstStyle/>
           <a:p>
             <a:r>
-              <a:rPr lang="en-US" dirty="0" smtClean="0"/>
+              <a:rPr lang="en-US" smtClean="0"/>
               <a:t>Composition of Web Services</a:t>
             </a:r>
             <a:endParaRPr lang="en-US" dirty="0"/>
+          </a:p>
+        </p:txBody>
+      </p:sp>
+      <p:sp>
+        <p:nvSpPr>
+          <p:cNvPr id="4" name="Subtitle 3"/>
+          <p:cNvSpPr>
+            <a:spLocks noGrp="1"/>
+          </p:cNvSpPr>
+          <p:nvPr>
+            <p:ph type="subTitle" idx="1"/>
+          </p:nvPr>
+        </p:nvSpPr>
+        <p:spPr/>
+        <p:txBody>
+          <a:bodyPr/>
+          <a:lstStyle/>
+          <a:p>
+            <a:r>
+              <a:rPr lang="en-US" dirty="0">
+                <a:ea typeface="ヒラギノ角ゴ ProN W3" charset="0"/>
+                <a:cs typeface="ヒラギノ角ゴ ProN W3" charset="0"/>
+              </a:rPr>
+              <a:t>Oxford University </a:t>
+            </a:r>
+          </a:p>
+          <a:p>
+            <a:r>
+              <a:rPr lang="en-US" dirty="0">
+                <a:ea typeface="ヒラギノ角ゴ ProN W3" charset="0"/>
+                <a:cs typeface="ヒラギノ角ゴ ProN W3" charset="0"/>
+              </a:rPr>
+              <a:t>Software Engineering Programme</a:t>
+            </a:r>
+          </a:p>
+          <a:p>
+            <a:r>
+              <a:rPr lang="en-US">
+                <a:ea typeface="ヒラギノ角ゴ ProN W3" charset="0"/>
+                <a:cs typeface="ヒラギノ角ゴ ProN W3" charset="0"/>
+              </a:rPr>
+              <a:t>Dec 2012</a:t>
+            </a:r>
+            <a:endParaRPr lang="en-US" dirty="0">
+              <a:ea typeface="ヒラギノ角ゴ ProN W3" charset="0"/>
+              <a:cs typeface="ヒラギノ角ゴ ProN W3" charset="0"/>
+            </a:endParaRPr>
           </a:p>
         </p:txBody>
       </p:sp>
@@ -4120,10 +4167,6 @@
               <a:rPr lang="en-US" sz="2200" dirty="0"/>
               <a:t>partition an activity diagram into the responsibilities of different entities </a:t>
             </a:r>
-            <a:r>
-              <a:rPr lang="en-US" sz="2200" dirty="0"/>
-              <a:t/>
-            </a:r>
             <a:br>
               <a:rPr lang="en-US" sz="2200" dirty="0"/>
             </a:br>
@@ -4245,7 +4288,6 @@
               <a:rPr lang="en-US" dirty="0"/>
               <a:t>: one activity must complete before another can start </a:t>
             </a:r>
-            <a:endParaRPr lang="en-US" dirty="0"/>
           </a:p>
           <a:p>
             <a:r>
@@ -4268,7 +4310,6 @@
               <a:rPr lang="en-US" dirty="0"/>
               <a:t>: one activity produces a result that another requires </a:t>
             </a:r>
-            <a:endParaRPr lang="en-US" dirty="0"/>
           </a:p>
           <a:p>
             <a:r>
@@ -4342,7 +4383,6 @@
               <a:rPr lang="en-US" dirty="0"/>
               <a:t>(shown in square brackets after object name) </a:t>
             </a:r>
-            <a:endParaRPr lang="en-US" dirty="0"/>
           </a:p>
           <a:p>
             <a:endParaRPr lang="en-US" dirty="0"/>
@@ -6356,7 +6396,6 @@
               <a:rPr lang="en-US" dirty="0"/>
               <a:t>to form composite services in their own right </a:t>
             </a:r>
-            <a:endParaRPr lang="en-US" dirty="0"/>
           </a:p>
           <a:p>
             <a:pPr marL="0" indent="0">
@@ -6381,7 +6420,6 @@
               <a:rPr lang="en-US" dirty="0"/>
               <a:t>languages for scripting or ‘glue’ between individual services </a:t>
             </a:r>
-            <a:endParaRPr lang="en-US" dirty="0"/>
           </a:p>
           <a:p>
             <a:pPr marL="0" indent="0">
@@ -6394,10 +6432,6 @@
               <a:rPr lang="en-US" dirty="0"/>
               <a:t>BPMN, WSCI, WSFL, XLANG, BPEL. . . </a:t>
             </a:r>
-            <a:r>
-              <a:rPr lang="en-US" dirty="0"/>
-              <a:t/>
-            </a:r>
             <a:br>
               <a:rPr lang="en-US" dirty="0"/>
             </a:br>
@@ -6424,7 +6458,6 @@
               <a:rPr lang="en-US" dirty="0"/>
               <a:t>, which are essentially paper specifications so can’t be automated and won’t scale </a:t>
             </a:r>
-            <a:endParaRPr lang="en-US" dirty="0"/>
           </a:p>
           <a:p>
             <a:endParaRPr lang="en-US" dirty="0"/>
@@ -6538,7 +6571,6 @@
               <a:rPr lang="en-US" sz="2400" dirty="0"/>
               <a:t>. </a:t>
             </a:r>
-            <a:endParaRPr lang="en-US" sz="2400" dirty="0"/>
           </a:p>
           <a:p>
             <a:endParaRPr lang="en-US" sz="2400" dirty="0"/>
@@ -6655,7 +6687,6 @@
               <a:rPr lang="en-US" dirty="0"/>
               <a:t>(EAI) </a:t>
             </a:r>
-            <a:endParaRPr lang="en-US" dirty="0"/>
           </a:p>
           <a:p>
             <a:pPr lvl="1"/>
@@ -6721,7 +6752,6 @@
               <a:rPr lang="en-US" dirty="0"/>
               <a:t>: admin processes </a:t>
             </a:r>
-            <a:endParaRPr lang="en-US" dirty="0"/>
           </a:p>
           <a:p>
             <a:r>
@@ -6768,7 +6798,6 @@
               <a:rPr lang="en-US" dirty="0"/>
               <a:t>, definition, implementation </a:t>
             </a:r>
-            <a:endParaRPr lang="en-US" dirty="0"/>
           </a:p>
           <a:p>
             <a:r>
@@ -6791,7 +6820,6 @@
               <a:rPr lang="en-US" dirty="0"/>
               <a:t> </a:t>
             </a:r>
-            <a:endParaRPr lang="en-US" dirty="0"/>
           </a:p>
           <a:p>
             <a:endParaRPr lang="en-US" dirty="0"/>
@@ -7270,7 +7298,6 @@
               <a:rPr lang="en-US" dirty="0"/>
               <a:t>deterministic: ‘must’ </a:t>
             </a:r>
-            <a:endParaRPr lang="en-US" dirty="0"/>
           </a:p>
           <a:p>
             <a:r>
@@ -7333,7 +7360,6 @@
               <a:rPr lang="en-US" dirty="0"/>
               <a:t>non-deterministic: ‘may’ </a:t>
             </a:r>
-            <a:endParaRPr lang="en-US" dirty="0"/>
           </a:p>
           <a:p>
             <a:r>
@@ -7360,7 +7386,6 @@
               <a:rPr lang="en-US" dirty="0"/>
               <a:t>does not </a:t>
             </a:r>
-            <a:endParaRPr lang="en-US" dirty="0"/>
           </a:p>
           <a:p>
             <a:endParaRPr lang="en-US" dirty="0"/>

--- a/presentations/source/12-Composition.pptx
+++ b/presentations/source/12-Composition.pptx
@@ -224,7 +224,7 @@
             <a:fld id="{7307762F-A706-E543-A832-3C298AA3103F}" type="datetimeFigureOut">
               <a:rPr lang="en-US" smtClean="0"/>
               <a:pPr/>
-              <a:t>18/12/2012</a:t>
+              <a:t>11/27/13</a:t>
             </a:fld>
             <a:endParaRPr lang="en-US" dirty="0"/>
           </a:p>
@@ -791,7 +791,7 @@
           <a:p>
             <a:fld id="{875CF0EB-321F-0749-B37A-89BBA859503C}" type="datetimeFigureOut">
               <a:rPr lang="en-US" smtClean="0"/>
-              <a:t>18/12/2012</a:t>
+              <a:t>11/27/13</a:t>
             </a:fld>
             <a:endParaRPr lang="en-US"/>
           </a:p>
@@ -995,7 +995,7 @@
           <a:p>
             <a:fld id="{875CF0EB-321F-0749-B37A-89BBA859503C}" type="datetimeFigureOut">
               <a:rPr lang="en-US" smtClean="0"/>
-              <a:t>18/12/2012</a:t>
+              <a:t>11/27/13</a:t>
             </a:fld>
             <a:endParaRPr lang="en-US"/>
           </a:p>
@@ -1189,7 +1189,7 @@
           <a:p>
             <a:fld id="{875CF0EB-321F-0749-B37A-89BBA859503C}" type="datetimeFigureOut">
               <a:rPr lang="en-US" smtClean="0"/>
-              <a:t>18/12/2012</a:t>
+              <a:t>11/27/13</a:t>
             </a:fld>
             <a:endParaRPr lang="en-US"/>
           </a:p>
@@ -1459,7 +1459,7 @@
           <a:p>
             <a:fld id="{875CF0EB-321F-0749-B37A-89BBA859503C}" type="datetimeFigureOut">
               <a:rPr lang="en-US" smtClean="0"/>
-              <a:t>18/12/2012</a:t>
+              <a:t>11/27/13</a:t>
             </a:fld>
             <a:endParaRPr lang="en-US"/>
           </a:p>
@@ -1771,7 +1771,7 @@
           <a:p>
             <a:fld id="{875CF0EB-321F-0749-B37A-89BBA859503C}" type="datetimeFigureOut">
               <a:rPr lang="en-US" smtClean="0"/>
-              <a:t>18/12/2012</a:t>
+              <a:t>11/27/13</a:t>
             </a:fld>
             <a:endParaRPr lang="en-US"/>
           </a:p>
@@ -2217,7 +2217,7 @@
           <a:p>
             <a:fld id="{875CF0EB-321F-0749-B37A-89BBA859503C}" type="datetimeFigureOut">
               <a:rPr lang="en-US" smtClean="0"/>
-              <a:t>18/12/2012</a:t>
+              <a:t>11/27/13</a:t>
             </a:fld>
             <a:endParaRPr lang="en-US"/>
           </a:p>
@@ -2359,7 +2359,7 @@
           <a:p>
             <a:fld id="{875CF0EB-321F-0749-B37A-89BBA859503C}" type="datetimeFigureOut">
               <a:rPr lang="en-US" smtClean="0"/>
-              <a:t>18/12/2012</a:t>
+              <a:t>11/27/13</a:t>
             </a:fld>
             <a:endParaRPr lang="en-US"/>
           </a:p>
@@ -2478,7 +2478,7 @@
           <a:p>
             <a:fld id="{875CF0EB-321F-0749-B37A-89BBA859503C}" type="datetimeFigureOut">
               <a:rPr lang="en-US" smtClean="0"/>
-              <a:t>18/12/2012</a:t>
+              <a:t>11/27/13</a:t>
             </a:fld>
             <a:endParaRPr lang="en-US"/>
           </a:p>
@@ -2779,7 +2779,7 @@
           <a:p>
             <a:fld id="{875CF0EB-321F-0749-B37A-89BBA859503C}" type="datetimeFigureOut">
               <a:rPr lang="en-US" smtClean="0"/>
-              <a:t>18/12/2012</a:t>
+              <a:t>11/27/13</a:t>
             </a:fld>
             <a:endParaRPr lang="en-US"/>
           </a:p>
@@ -3056,7 +3056,7 @@
           <a:p>
             <a:fld id="{875CF0EB-321F-0749-B37A-89BBA859503C}" type="datetimeFigureOut">
               <a:rPr lang="en-US" smtClean="0"/>
-              <a:t>18/12/2012</a:t>
+              <a:t>11/27/13</a:t>
             </a:fld>
             <a:endParaRPr lang="en-US"/>
           </a:p>
@@ -3902,7 +3902,14 @@
                 <a:ea typeface="ヒラギノ角ゴ ProN W3" charset="0"/>
                 <a:cs typeface="ヒラギノ角ゴ ProN W3" charset="0"/>
               </a:rPr>
-              <a:t>Dec 2012</a:t>
+              <a:t>Dec </a:t>
+            </a:r>
+            <a:r>
+              <a:rPr lang="en-US" smtClean="0">
+                <a:ea typeface="ヒラギノ角ゴ ProN W3" charset="0"/>
+                <a:cs typeface="ヒラギノ角ゴ ProN W3" charset="0"/>
+              </a:rPr>
+              <a:t>2013</a:t>
             </a:r>
             <a:endParaRPr lang="en-US" dirty="0">
               <a:ea typeface="ヒラギノ角ゴ ProN W3" charset="0"/>

--- a/presentations/source/12-Composition.pptx
+++ b/presentations/source/12-Composition.pptx
@@ -224,7 +224,7 @@
             <a:fld id="{7307762F-A706-E543-A832-3C298AA3103F}" type="datetimeFigureOut">
               <a:rPr lang="en-US" smtClean="0"/>
               <a:pPr/>
-              <a:t>11/27/13</a:t>
+              <a:t>11/21/14</a:t>
             </a:fld>
             <a:endParaRPr lang="en-US" dirty="0"/>
           </a:p>
@@ -791,7 +791,7 @@
           <a:p>
             <a:fld id="{875CF0EB-321F-0749-B37A-89BBA859503C}" type="datetimeFigureOut">
               <a:rPr lang="en-US" smtClean="0"/>
-              <a:t>11/27/13</a:t>
+              <a:t>11/21/14</a:t>
             </a:fld>
             <a:endParaRPr lang="en-US"/>
           </a:p>
@@ -995,7 +995,7 @@
           <a:p>
             <a:fld id="{875CF0EB-321F-0749-B37A-89BBA859503C}" type="datetimeFigureOut">
               <a:rPr lang="en-US" smtClean="0"/>
-              <a:t>11/27/13</a:t>
+              <a:t>11/21/14</a:t>
             </a:fld>
             <a:endParaRPr lang="en-US"/>
           </a:p>
@@ -1189,7 +1189,7 @@
           <a:p>
             <a:fld id="{875CF0EB-321F-0749-B37A-89BBA859503C}" type="datetimeFigureOut">
               <a:rPr lang="en-US" smtClean="0"/>
-              <a:t>11/27/13</a:t>
+              <a:t>11/21/14</a:t>
             </a:fld>
             <a:endParaRPr lang="en-US"/>
           </a:p>
@@ -1459,7 +1459,7 @@
           <a:p>
             <a:fld id="{875CF0EB-321F-0749-B37A-89BBA859503C}" type="datetimeFigureOut">
               <a:rPr lang="en-US" smtClean="0"/>
-              <a:t>11/27/13</a:t>
+              <a:t>11/21/14</a:t>
             </a:fld>
             <a:endParaRPr lang="en-US"/>
           </a:p>
@@ -1771,7 +1771,7 @@
           <a:p>
             <a:fld id="{875CF0EB-321F-0749-B37A-89BBA859503C}" type="datetimeFigureOut">
               <a:rPr lang="en-US" smtClean="0"/>
-              <a:t>11/27/13</a:t>
+              <a:t>11/21/14</a:t>
             </a:fld>
             <a:endParaRPr lang="en-US"/>
           </a:p>
@@ -2217,7 +2217,7 @@
           <a:p>
             <a:fld id="{875CF0EB-321F-0749-B37A-89BBA859503C}" type="datetimeFigureOut">
               <a:rPr lang="en-US" smtClean="0"/>
-              <a:t>11/27/13</a:t>
+              <a:t>11/21/14</a:t>
             </a:fld>
             <a:endParaRPr lang="en-US"/>
           </a:p>
@@ -2359,7 +2359,7 @@
           <a:p>
             <a:fld id="{875CF0EB-321F-0749-B37A-89BBA859503C}" type="datetimeFigureOut">
               <a:rPr lang="en-US" smtClean="0"/>
-              <a:t>11/27/13</a:t>
+              <a:t>11/21/14</a:t>
             </a:fld>
             <a:endParaRPr lang="en-US"/>
           </a:p>
@@ -2478,7 +2478,7 @@
           <a:p>
             <a:fld id="{875CF0EB-321F-0749-B37A-89BBA859503C}" type="datetimeFigureOut">
               <a:rPr lang="en-US" smtClean="0"/>
-              <a:t>11/27/13</a:t>
+              <a:t>11/21/14</a:t>
             </a:fld>
             <a:endParaRPr lang="en-US"/>
           </a:p>
@@ -2779,7 +2779,7 @@
           <a:p>
             <a:fld id="{875CF0EB-321F-0749-B37A-89BBA859503C}" type="datetimeFigureOut">
               <a:rPr lang="en-US" smtClean="0"/>
-              <a:t>11/27/13</a:t>
+              <a:t>11/21/14</a:t>
             </a:fld>
             <a:endParaRPr lang="en-US"/>
           </a:p>
@@ -3056,7 +3056,7 @@
           <a:p>
             <a:fld id="{875CF0EB-321F-0749-B37A-89BBA859503C}" type="datetimeFigureOut">
               <a:rPr lang="en-US" smtClean="0"/>
-              <a:t>11/27/13</a:t>
+              <a:t>11/21/14</a:t>
             </a:fld>
             <a:endParaRPr lang="en-US"/>
           </a:p>
@@ -3909,7 +3909,7 @@
                 <a:ea typeface="ヒラギノ角ゴ ProN W3" charset="0"/>
                 <a:cs typeface="ヒラギノ角ゴ ProN W3" charset="0"/>
               </a:rPr>
-              <a:t>2013</a:t>
+              <a:t>2014</a:t>
             </a:r>
             <a:endParaRPr lang="en-US" dirty="0">
               <a:ea typeface="ヒラギノ角ゴ ProN W3" charset="0"/>

--- a/presentations/source/12-Composition.pptx
+++ b/presentations/source/12-Composition.pptx
@@ -5,7 +5,7 @@
     <p:sldMasterId id="2147483648" r:id="rId1"/>
   </p:sldMasterIdLst>
   <p:notesMasterIdLst>
-    <p:notesMasterId r:id="rId30"/>
+    <p:notesMasterId r:id="rId42"/>
   </p:notesMasterIdLst>
   <p:sldIdLst>
     <p:sldId id="256" r:id="rId2"/>
@@ -19,23 +19,35 @@
     <p:sldId id="273" r:id="rId10"/>
     <p:sldId id="265" r:id="rId11"/>
     <p:sldId id="269" r:id="rId12"/>
-    <p:sldId id="266" r:id="rId13"/>
-    <p:sldId id="267" r:id="rId14"/>
-    <p:sldId id="268" r:id="rId15"/>
-    <p:sldId id="270" r:id="rId16"/>
+    <p:sldId id="284" r:id="rId13"/>
+    <p:sldId id="270" r:id="rId14"/>
+    <p:sldId id="306" r:id="rId15"/>
+    <p:sldId id="307" r:id="rId16"/>
     <p:sldId id="271" r:id="rId17"/>
     <p:sldId id="272" r:id="rId18"/>
-    <p:sldId id="274" r:id="rId19"/>
-    <p:sldId id="275" r:id="rId20"/>
-    <p:sldId id="276" r:id="rId21"/>
-    <p:sldId id="277" r:id="rId22"/>
-    <p:sldId id="278" r:id="rId23"/>
-    <p:sldId id="279" r:id="rId24"/>
-    <p:sldId id="280" r:id="rId25"/>
-    <p:sldId id="281" r:id="rId26"/>
-    <p:sldId id="282" r:id="rId27"/>
-    <p:sldId id="284" r:id="rId28"/>
-    <p:sldId id="283" r:id="rId29"/>
+    <p:sldId id="301" r:id="rId19"/>
+    <p:sldId id="302" r:id="rId20"/>
+    <p:sldId id="274" r:id="rId21"/>
+    <p:sldId id="285" r:id="rId22"/>
+    <p:sldId id="286" r:id="rId23"/>
+    <p:sldId id="287" r:id="rId24"/>
+    <p:sldId id="296" r:id="rId25"/>
+    <p:sldId id="297" r:id="rId26"/>
+    <p:sldId id="298" r:id="rId27"/>
+    <p:sldId id="299" r:id="rId28"/>
+    <p:sldId id="305" r:id="rId29"/>
+    <p:sldId id="290" r:id="rId30"/>
+    <p:sldId id="288" r:id="rId31"/>
+    <p:sldId id="304" r:id="rId32"/>
+    <p:sldId id="291" r:id="rId33"/>
+    <p:sldId id="292" r:id="rId34"/>
+    <p:sldId id="289" r:id="rId35"/>
+    <p:sldId id="293" r:id="rId36"/>
+    <p:sldId id="294" r:id="rId37"/>
+    <p:sldId id="295" r:id="rId38"/>
+    <p:sldId id="300" r:id="rId39"/>
+    <p:sldId id="303" r:id="rId40"/>
+    <p:sldId id="283" r:id="rId41"/>
   </p:sldIdLst>
   <p:sldSz cx="9144000" cy="6858000" type="screen4x3"/>
   <p:notesSz cx="6858000" cy="9144000"/>
@@ -224,7 +236,7 @@
             <a:fld id="{7307762F-A706-E543-A832-3C298AA3103F}" type="datetimeFigureOut">
               <a:rPr lang="en-US" smtClean="0"/>
               <a:pPr/>
-              <a:t>11/21/14</a:t>
+              <a:t>08/09/15</a:t>
             </a:fld>
             <a:endParaRPr lang="en-US" dirty="0"/>
           </a:p>
@@ -791,7 +803,7 @@
           <a:p>
             <a:fld id="{875CF0EB-321F-0749-B37A-89BBA859503C}" type="datetimeFigureOut">
               <a:rPr lang="en-US" smtClean="0"/>
-              <a:t>11/21/14</a:t>
+              <a:t>08/09/15</a:t>
             </a:fld>
             <a:endParaRPr lang="en-US"/>
           </a:p>
@@ -995,7 +1007,7 @@
           <a:p>
             <a:fld id="{875CF0EB-321F-0749-B37A-89BBA859503C}" type="datetimeFigureOut">
               <a:rPr lang="en-US" smtClean="0"/>
-              <a:t>11/21/14</a:t>
+              <a:t>08/09/15</a:t>
             </a:fld>
             <a:endParaRPr lang="en-US"/>
           </a:p>
@@ -1189,7 +1201,7 @@
           <a:p>
             <a:fld id="{875CF0EB-321F-0749-B37A-89BBA859503C}" type="datetimeFigureOut">
               <a:rPr lang="en-US" smtClean="0"/>
-              <a:t>11/21/14</a:t>
+              <a:t>08/09/15</a:t>
             </a:fld>
             <a:endParaRPr lang="en-US"/>
           </a:p>
@@ -1459,7 +1471,7 @@
           <a:p>
             <a:fld id="{875CF0EB-321F-0749-B37A-89BBA859503C}" type="datetimeFigureOut">
               <a:rPr lang="en-US" smtClean="0"/>
-              <a:t>11/21/14</a:t>
+              <a:t>08/09/15</a:t>
             </a:fld>
             <a:endParaRPr lang="en-US"/>
           </a:p>
@@ -1771,7 +1783,7 @@
           <a:p>
             <a:fld id="{875CF0EB-321F-0749-B37A-89BBA859503C}" type="datetimeFigureOut">
               <a:rPr lang="en-US" smtClean="0"/>
-              <a:t>11/21/14</a:t>
+              <a:t>08/09/15</a:t>
             </a:fld>
             <a:endParaRPr lang="en-US"/>
           </a:p>
@@ -2217,7 +2229,7 @@
           <a:p>
             <a:fld id="{875CF0EB-321F-0749-B37A-89BBA859503C}" type="datetimeFigureOut">
               <a:rPr lang="en-US" smtClean="0"/>
-              <a:t>11/21/14</a:t>
+              <a:t>08/09/15</a:t>
             </a:fld>
             <a:endParaRPr lang="en-US"/>
           </a:p>
@@ -2359,7 +2371,7 @@
           <a:p>
             <a:fld id="{875CF0EB-321F-0749-B37A-89BBA859503C}" type="datetimeFigureOut">
               <a:rPr lang="en-US" smtClean="0"/>
-              <a:t>11/21/14</a:t>
+              <a:t>08/09/15</a:t>
             </a:fld>
             <a:endParaRPr lang="en-US"/>
           </a:p>
@@ -2478,7 +2490,7 @@
           <a:p>
             <a:fld id="{875CF0EB-321F-0749-B37A-89BBA859503C}" type="datetimeFigureOut">
               <a:rPr lang="en-US" smtClean="0"/>
-              <a:t>11/21/14</a:t>
+              <a:t>08/09/15</a:t>
             </a:fld>
             <a:endParaRPr lang="en-US"/>
           </a:p>
@@ -2779,7 +2791,7 @@
           <a:p>
             <a:fld id="{875CF0EB-321F-0749-B37A-89BBA859503C}" type="datetimeFigureOut">
               <a:rPr lang="en-US" smtClean="0"/>
-              <a:t>11/21/14</a:t>
+              <a:t>08/09/15</a:t>
             </a:fld>
             <a:endParaRPr lang="en-US"/>
           </a:p>
@@ -3056,7 +3068,7 @@
           <a:p>
             <a:fld id="{875CF0EB-321F-0749-B37A-89BBA859503C}" type="datetimeFigureOut">
               <a:rPr lang="en-US" smtClean="0"/>
-              <a:t>11/21/14</a:t>
+              <a:t>08/09/15</a:t>
             </a:fld>
             <a:endParaRPr lang="en-US"/>
           </a:p>
@@ -3857,8 +3869,8 @@
           <a:lstStyle/>
           <a:p>
             <a:r>
-              <a:rPr lang="en-US" smtClean="0"/>
-              <a:t>Composition of Web Services</a:t>
+              <a:rPr lang="en-US" dirty="0" smtClean="0"/>
+              <a:t>Composition and Orchestration of Services</a:t>
             </a:r>
             <a:endParaRPr lang="en-US" dirty="0"/>
           </a:p>
@@ -3898,18 +3910,11 @@
           </a:p>
           <a:p>
             <a:r>
-              <a:rPr lang="en-US">
+              <a:rPr lang="en-US" dirty="0" smtClean="0">
                 <a:ea typeface="ヒラギノ角ゴ ProN W3" charset="0"/>
                 <a:cs typeface="ヒラギノ角ゴ ProN W3" charset="0"/>
               </a:rPr>
-              <a:t>Dec </a:t>
-            </a:r>
-            <a:r>
-              <a:rPr lang="en-US" smtClean="0">
-                <a:ea typeface="ヒラギノ角ゴ ProN W3" charset="0"/>
-                <a:cs typeface="ヒラギノ角ゴ ProN W3" charset="0"/>
-              </a:rPr>
-              <a:t>2014</a:t>
+              <a:t>Sep 2015</a:t>
             </a:r>
             <a:endParaRPr lang="en-US" dirty="0">
               <a:ea typeface="ヒラギノ角ゴ ProN W3" charset="0"/>
@@ -4159,24 +4164,18 @@
           </a:bodyPr>
           <a:lstStyle/>
           <a:p>
-            <a:r>
-              <a:rPr lang="en-US" dirty="0" err="1" smtClean="0"/>
-              <a:t>Swimlanes</a:t>
-            </a:r>
-            <a:r>
-              <a:rPr lang="en-US" dirty="0" smtClean="0"/>
-              <a:t>:</a:t>
+            <a:pPr algn="l"/>
+            <a:r>
+              <a:rPr lang="en-US" dirty="0" smtClean="0"/>
+              <a:t>Amazon Simple</a:t>
             </a:r>
             <a:br>
               <a:rPr lang="en-US" dirty="0" smtClean="0"/>
             </a:br>
             <a:r>
-              <a:rPr lang="en-US" sz="2200" dirty="0"/>
-              <a:t>partition an activity diagram into the responsibilities of different entities </a:t>
-            </a:r>
-            <a:br>
-              <a:rPr lang="en-US" sz="2200" dirty="0"/>
-            </a:br>
+              <a:rPr lang="en-US" dirty="0" smtClean="0"/>
+              <a:t> Workflow Service</a:t>
+            </a:r>
             <a:endParaRPr lang="en-US" dirty="0"/>
           </a:p>
         </p:txBody>
@@ -4197,18 +4196,62 @@
         </p:blipFill>
         <p:spPr>
           <a:xfrm>
-            <a:off x="806307" y="1417638"/>
-            <a:ext cx="6672174" cy="4491994"/>
+            <a:off x="3342666" y="274638"/>
+            <a:ext cx="5539748" cy="5551870"/>
           </a:xfrm>
           <a:prstGeom prst="rect">
             <a:avLst/>
           </a:prstGeom>
         </p:spPr>
       </p:pic>
+      <p:sp>
+        <p:nvSpPr>
+          <p:cNvPr id="5" name="Rectangle 4"/>
+          <p:cNvSpPr/>
+          <p:nvPr/>
+        </p:nvSpPr>
+        <p:spPr>
+          <a:xfrm>
+            <a:off x="457200" y="4147823"/>
+            <a:ext cx="2929007" cy="369332"/>
+          </a:xfrm>
+          <a:prstGeom prst="rect">
+            <a:avLst/>
+          </a:prstGeom>
+        </p:spPr>
+        <p:txBody>
+          <a:bodyPr wrap="none">
+            <a:spAutoFit/>
+          </a:bodyPr>
+          <a:lstStyle/>
+          <a:p>
+            <a:r>
+              <a:rPr lang="en-US" dirty="0"/>
+              <a:t>http://</a:t>
+            </a:r>
+            <a:r>
+              <a:rPr lang="en-US" dirty="0" err="1"/>
+              <a:t>aws.amazon.com</a:t>
+            </a:r>
+            <a:r>
+              <a:rPr lang="en-US" dirty="0"/>
+              <a:t>/</a:t>
+            </a:r>
+            <a:r>
+              <a:rPr lang="en-US" dirty="0" err="1"/>
+              <a:t>swf</a:t>
+            </a:r>
+            <a:r>
+              <a:rPr lang="en-US" dirty="0"/>
+              <a:t>/</a:t>
+            </a:r>
+          </a:p>
+        </p:txBody>
+      </p:sp>
     </p:spTree>
     <p:extLst>
       <p:ext uri="{BB962C8B-B14F-4D97-AF65-F5344CB8AC3E}">
-        <p14:creationId xmlns:p14="http://schemas.microsoft.com/office/powerpoint/2010/main" val="1987466270"/>
+        <p14:creationId xmlns:p14="http://schemas.microsoft.com/office/powerpoint/2010/main" val="831567339"/>
       </p:ext>
     </p:extLst>
   </p:cSld>
@@ -4247,12 +4290,14 @@
         </p:nvSpPr>
         <p:spPr/>
         <p:txBody>
-          <a:bodyPr/>
-          <a:lstStyle/>
-          <a:p>
-            <a:r>
-              <a:rPr lang="en-US" dirty="0" smtClean="0"/>
-              <a:t>Data Flow</a:t>
+          <a:bodyPr>
+            <a:normAutofit fontScale="90000"/>
+          </a:bodyPr>
+          <a:lstStyle/>
+          <a:p>
+            <a:r>
+              <a:rPr lang="en-US" dirty="0" smtClean="0"/>
+              <a:t>Business Process Execution Language (BPEL)</a:t>
             </a:r>
             <a:endParaRPr lang="en-US" dirty="0"/>
           </a:p>
@@ -4271,135 +4316,66 @@
         <p:spPr/>
         <p:txBody>
           <a:bodyPr>
-            <a:normAutofit fontScale="70000" lnSpcReduction="20000"/>
+            <a:normAutofit/>
           </a:bodyPr>
           <a:lstStyle/>
           <a:p>
             <a:r>
-              <a:rPr lang="en-US" dirty="0"/>
-              <a:t>T</a:t>
-            </a:r>
-            <a:r>
-              <a:rPr lang="en-US" dirty="0" smtClean="0"/>
-              <a:t>ransitions </a:t>
-            </a:r>
-            <a:r>
-              <a:rPr lang="en-US" dirty="0"/>
-              <a:t>between activities represent </a:t>
-            </a:r>
-            <a:r>
-              <a:rPr lang="en-US" i="1" dirty="0"/>
-              <a:t>control dependencies</a:t>
-            </a:r>
-            <a:r>
-              <a:rPr lang="en-US" dirty="0"/>
-              <a:t>: one activity must complete before another can start </a:t>
-            </a:r>
-          </a:p>
-          <a:p>
-            <a:r>
-              <a:rPr lang="en-US" dirty="0"/>
-              <a:t>W</a:t>
-            </a:r>
-            <a:r>
-              <a:rPr lang="en-US" dirty="0" smtClean="0"/>
-              <a:t>orkflows </a:t>
-            </a:r>
-            <a:r>
-              <a:rPr lang="en-US" dirty="0"/>
-              <a:t>also have </a:t>
-            </a:r>
-            <a:r>
-              <a:rPr lang="en-US" i="1" dirty="0"/>
-              <a:t>data dependencies</a:t>
-            </a:r>
-            <a:r>
-              <a:rPr lang="en-US" dirty="0"/>
-              <a:t>: one activity produces a result that another requires </a:t>
-            </a:r>
-          </a:p>
-          <a:p>
-            <a:r>
-              <a:rPr lang="en-US" dirty="0"/>
-              <a:t>UML activity diagrams allow </a:t>
-            </a:r>
-            <a:r>
-              <a:rPr lang="en-US" i="1" dirty="0"/>
-              <a:t>object flow </a:t>
-            </a:r>
-            <a:r>
-              <a:rPr lang="en-US" dirty="0"/>
-              <a:t>as well as </a:t>
-            </a:r>
-            <a:r>
-              <a:rPr lang="en-US" i="1" dirty="0"/>
-              <a:t>control flow </a:t>
-            </a:r>
-            <a:endParaRPr lang="en-US" dirty="0"/>
-          </a:p>
-          <a:p>
-            <a:r>
-              <a:rPr lang="en-US" dirty="0"/>
-              <a:t>D</a:t>
-            </a:r>
-            <a:r>
-              <a:rPr lang="en-US" dirty="0" smtClean="0"/>
-              <a:t>ependent </a:t>
-            </a:r>
-            <a:r>
-              <a:rPr lang="en-US" dirty="0"/>
-              <a:t>data is shown as an object icon (rectangle with underlined </a:t>
-            </a:r>
-            <a:r>
-              <a:rPr lang="en-US" dirty="0" smtClean="0"/>
-              <a:t>name </a:t>
-            </a:r>
-            <a:r>
-              <a:rPr lang="en-US" dirty="0"/>
-              <a:t>and type) </a:t>
-            </a:r>
-            <a:endParaRPr lang="en-US" dirty="0" smtClean="0"/>
+              <a:rPr lang="en-US" sz="2800" dirty="0" err="1" smtClean="0"/>
+              <a:t>Standardised</a:t>
+            </a:r>
+            <a:r>
+              <a:rPr lang="en-US" sz="2800" dirty="0" smtClean="0"/>
+              <a:t> XML language for executable processes</a:t>
+            </a:r>
+          </a:p>
+          <a:p>
+            <a:r>
+              <a:rPr lang="en-US" sz="2800" dirty="0" smtClean="0"/>
+              <a:t>Well defined execution</a:t>
+            </a:r>
           </a:p>
           <a:p>
             <a:pPr lvl="1"/>
             <a:r>
-              <a:rPr lang="en-US" i="1" dirty="0" smtClean="0"/>
-              <a:t>dependencies </a:t>
-            </a:r>
-            <a:r>
-              <a:rPr lang="en-US" dirty="0"/>
-              <a:t>shown as dashed arrows from generating activity to object, and from object to consuming activity(s) </a:t>
-            </a:r>
-            <a:endParaRPr lang="en-US" dirty="0" smtClean="0"/>
+              <a:rPr lang="en-US" sz="2400" dirty="0" smtClean="0"/>
+              <a:t>No deadlocks</a:t>
+            </a:r>
           </a:p>
           <a:p>
             <a:pPr lvl="1"/>
             <a:r>
-              <a:rPr lang="en-US" dirty="0" smtClean="0"/>
-              <a:t>same </a:t>
-            </a:r>
-            <a:r>
-              <a:rPr lang="en-US" dirty="0"/>
-              <a:t>object may occur multiple times in an activity diagram, typically in different </a:t>
-            </a:r>
-            <a:r>
-              <a:rPr lang="en-US" i="1" dirty="0"/>
-              <a:t>states </a:t>
-            </a:r>
-            <a:r>
-              <a:rPr lang="en-US" dirty="0"/>
-              <a:t>(shown in square brackets after object name) </a:t>
-            </a:r>
-          </a:p>
-          <a:p>
-            <a:endParaRPr lang="en-US" dirty="0"/>
+              <a:rPr lang="en-US" sz="2400" dirty="0" smtClean="0"/>
+              <a:t>Graphs must be acyclic</a:t>
+            </a:r>
+          </a:p>
+          <a:p>
+            <a:r>
+              <a:rPr lang="en-US" sz="2800" dirty="0" smtClean="0"/>
+              <a:t>Tied to WSDL concepts</a:t>
+            </a:r>
+          </a:p>
+          <a:p>
+            <a:r>
+              <a:rPr lang="en-US" sz="2800" dirty="0" smtClean="0"/>
+              <a:t>No built in support for human activities (though this has been added)</a:t>
+            </a:r>
+          </a:p>
+          <a:p>
+            <a:r>
+              <a:rPr lang="en-US" sz="2800" dirty="0" smtClean="0"/>
+              <a:t>No graphical notation</a:t>
+            </a:r>
+          </a:p>
+          <a:p>
+            <a:endParaRPr lang="en-US" sz="2800" dirty="0"/>
           </a:p>
         </p:txBody>
       </p:sp>
     </p:spTree>
     <p:extLst>
       <p:ext uri="{BB962C8B-B14F-4D97-AF65-F5344CB8AC3E}">
-        <p14:creationId xmlns:p14="http://schemas.microsoft.com/office/powerpoint/2010/main" val="717485584"/>
+        <p14:creationId xmlns:p14="http://schemas.microsoft.com/office/powerpoint/2010/main" val="1793529587"/>
       </p:ext>
     </p:extLst>
   </p:cSld>
@@ -4438,45 +4414,80 @@
         </p:nvSpPr>
         <p:spPr/>
         <p:txBody>
+          <a:bodyPr>
+            <a:normAutofit/>
+          </a:bodyPr>
+          <a:lstStyle/>
+          <a:p>
+            <a:r>
+              <a:rPr lang="en-US" dirty="0" smtClean="0"/>
+              <a:t>The main strength of BPEL</a:t>
+            </a:r>
+            <a:br>
+              <a:rPr lang="en-US" dirty="0" smtClean="0"/>
+            </a:br>
+            <a:r>
+              <a:rPr lang="en-US" sz="2200" dirty="0" smtClean="0"/>
+              <a:t>(IMO)</a:t>
+            </a:r>
+            <a:endParaRPr lang="en-US" dirty="0"/>
+          </a:p>
+        </p:txBody>
+      </p:sp>
+      <p:sp>
+        <p:nvSpPr>
+          <p:cNvPr id="3" name="Content Placeholder 2"/>
+          <p:cNvSpPr>
+            <a:spLocks noGrp="1"/>
+          </p:cNvSpPr>
+          <p:nvPr>
+            <p:ph idx="1"/>
+          </p:nvPr>
+        </p:nvSpPr>
+        <p:spPr/>
+        <p:txBody>
           <a:bodyPr/>
           <a:lstStyle/>
           <a:p>
             <a:r>
               <a:rPr lang="en-US" dirty="0" smtClean="0"/>
-              <a:t>Example Object Flow</a:t>
-            </a:r>
+              <a:t>BPEL is a completely executable standalone language</a:t>
+            </a:r>
+          </a:p>
+          <a:p>
+            <a:pPr lvl="1"/>
+            <a:r>
+              <a:rPr lang="en-US" dirty="0" err="1" smtClean="0"/>
+              <a:t>PartnerLinks</a:t>
+            </a:r>
+            <a:r>
+              <a:rPr lang="en-US" dirty="0" smtClean="0"/>
+              <a:t> define places where you can call WSDL services </a:t>
+            </a:r>
+          </a:p>
+          <a:p>
+            <a:pPr lvl="1"/>
+            <a:r>
+              <a:rPr lang="en-US" dirty="0" smtClean="0"/>
+              <a:t>Or where other parties can call WSDL Services into the process</a:t>
+            </a:r>
+          </a:p>
+          <a:p>
+            <a:r>
+              <a:rPr lang="en-US" dirty="0" smtClean="0"/>
+              <a:t>Deployment descriptor + BPEL can be executed without any Java or other language</a:t>
+            </a:r>
+          </a:p>
+          <a:p>
+            <a:pPr lvl="1"/>
             <a:endParaRPr lang="en-US" dirty="0"/>
           </a:p>
         </p:txBody>
       </p:sp>
-      <p:pic>
-        <p:nvPicPr>
-          <p:cNvPr id="4" name="Picture 3"/>
-          <p:cNvPicPr>
-            <a:picLocks noChangeAspect="1"/>
-          </p:cNvPicPr>
-          <p:nvPr/>
-        </p:nvPicPr>
-        <p:blipFill>
-          <a:blip r:embed="rId2"/>
-          <a:stretch>
-            <a:fillRect/>
-          </a:stretch>
-        </p:blipFill>
-        <p:spPr>
-          <a:xfrm>
-            <a:off x="1092200" y="1181101"/>
-            <a:ext cx="7257268" cy="4927600"/>
-          </a:xfrm>
-          <a:prstGeom prst="rect">
-            <a:avLst/>
-          </a:prstGeom>
-        </p:spPr>
-      </p:pic>
     </p:spTree>
     <p:extLst>
       <p:ext uri="{BB962C8B-B14F-4D97-AF65-F5344CB8AC3E}">
-        <p14:creationId xmlns:p14="http://schemas.microsoft.com/office/powerpoint/2010/main" val="332607726"/>
+        <p14:creationId xmlns:p14="http://schemas.microsoft.com/office/powerpoint/2010/main" val="3805893931"/>
       </p:ext>
     </p:extLst>
   </p:cSld>
@@ -4516,91 +4527,91 @@
         <p:spPr/>
         <p:txBody>
           <a:bodyPr>
-            <a:normAutofit fontScale="90000"/>
-          </a:bodyPr>
-          <a:lstStyle/>
-          <a:p>
-            <a:r>
-              <a:rPr lang="en-US" dirty="0" smtClean="0"/>
-              <a:t>Business Process Execution Language (BPEL)</a:t>
-            </a:r>
-            <a:endParaRPr lang="en-US" dirty="0"/>
-          </a:p>
-        </p:txBody>
-      </p:sp>
-      <p:sp>
-        <p:nvSpPr>
-          <p:cNvPr id="3" name="Content Placeholder 2"/>
-          <p:cNvSpPr>
-            <a:spLocks noGrp="1"/>
-          </p:cNvSpPr>
-          <p:nvPr>
-            <p:ph idx="1"/>
-          </p:nvPr>
-        </p:nvSpPr>
-        <p:spPr/>
-        <p:txBody>
-          <a:bodyPr>
             <a:normAutofit/>
           </a:bodyPr>
           <a:lstStyle/>
           <a:p>
             <a:r>
-              <a:rPr lang="en-US" sz="2800" dirty="0" err="1" smtClean="0"/>
-              <a:t>Standardised</a:t>
-            </a:r>
-            <a:r>
-              <a:rPr lang="en-US" sz="2800" dirty="0" smtClean="0"/>
-              <a:t> XML language for executable processes</a:t>
-            </a:r>
-          </a:p>
-          <a:p>
-            <a:r>
-              <a:rPr lang="en-US" sz="2800" dirty="0" smtClean="0"/>
-              <a:t>Well defined execution</a:t>
+              <a:rPr lang="en-US" dirty="0" smtClean="0"/>
+              <a:t>The main weaknesses of BPEL	</a:t>
+            </a:r>
+            <a:br>
+              <a:rPr lang="en-US" dirty="0" smtClean="0"/>
+            </a:br>
+            <a:r>
+              <a:rPr lang="en-US" sz="2200" dirty="0" smtClean="0"/>
+              <a:t>(IMO)</a:t>
+            </a:r>
+            <a:endParaRPr lang="en-US" dirty="0"/>
+          </a:p>
+        </p:txBody>
+      </p:sp>
+      <p:sp>
+        <p:nvSpPr>
+          <p:cNvPr id="3" name="Content Placeholder 2"/>
+          <p:cNvSpPr>
+            <a:spLocks noGrp="1"/>
+          </p:cNvSpPr>
+          <p:nvPr>
+            <p:ph idx="1"/>
+          </p:nvPr>
+        </p:nvSpPr>
+        <p:spPr/>
+        <p:txBody>
+          <a:bodyPr/>
+          <a:lstStyle/>
+          <a:p>
+            <a:r>
+              <a:rPr lang="en-US" dirty="0" smtClean="0"/>
+              <a:t>Too much like a programming language</a:t>
             </a:r>
           </a:p>
           <a:p>
             <a:pPr lvl="1"/>
             <a:r>
-              <a:rPr lang="en-US" sz="2400" dirty="0" smtClean="0"/>
-              <a:t>No deadlocks</a:t>
-            </a:r>
-          </a:p>
-          <a:p>
-            <a:pPr lvl="1"/>
-            <a:r>
-              <a:rPr lang="en-US" sz="2400" dirty="0" smtClean="0"/>
-              <a:t>Graphs must be acyclic</a:t>
-            </a:r>
-          </a:p>
-          <a:p>
-            <a:r>
-              <a:rPr lang="en-US" sz="2800" dirty="0" smtClean="0"/>
-              <a:t>Tied to WSDL concepts</a:t>
-            </a:r>
-          </a:p>
-          <a:p>
-            <a:r>
-              <a:rPr lang="en-US" sz="2800" dirty="0" smtClean="0"/>
-              <a:t>No built in support for human activities (though this has been added)</a:t>
-            </a:r>
-          </a:p>
-          <a:p>
-            <a:r>
-              <a:rPr lang="en-US" sz="2800" dirty="0" smtClean="0"/>
-              <a:t>No graphical notation</a:t>
-            </a:r>
-          </a:p>
-          <a:p>
-            <a:endParaRPr lang="en-US" sz="2800" dirty="0"/>
+              <a:rPr lang="en-US" dirty="0" smtClean="0"/>
+              <a:t>Need WS-</a:t>
+            </a:r>
+            <a:r>
+              <a:rPr lang="en-US" dirty="0" err="1" smtClean="0"/>
+              <a:t>HumanTask</a:t>
+            </a:r>
+            <a:r>
+              <a:rPr lang="en-US" dirty="0" smtClean="0"/>
+              <a:t>, BPEL4People and script or Java extensions to make it useful for real processes</a:t>
+            </a:r>
+          </a:p>
+          <a:p>
+            <a:r>
+              <a:rPr lang="en-US" dirty="0" smtClean="0"/>
+              <a:t>No </a:t>
+            </a:r>
+            <a:r>
+              <a:rPr lang="en-US" dirty="0" err="1" smtClean="0"/>
+              <a:t>swimlanes</a:t>
+            </a:r>
+            <a:r>
+              <a:rPr lang="en-US" dirty="0" smtClean="0"/>
+              <a:t> (explained in a minute)</a:t>
+            </a:r>
+          </a:p>
+          <a:p>
+            <a:r>
+              <a:rPr lang="en-US" dirty="0" smtClean="0"/>
+              <a:t>No common </a:t>
+            </a:r>
+            <a:r>
+              <a:rPr lang="en-US" smtClean="0"/>
+              <a:t>visual notation</a:t>
+            </a:r>
+            <a:endParaRPr lang="en-US" dirty="0"/>
           </a:p>
         </p:txBody>
       </p:sp>
     </p:spTree>
     <p:extLst>
       <p:ext uri="{BB962C8B-B14F-4D97-AF65-F5344CB8AC3E}">
-        <p14:creationId xmlns:p14="http://schemas.microsoft.com/office/powerpoint/2010/main" val="1793529587"/>
+        <p14:creationId xmlns:p14="http://schemas.microsoft.com/office/powerpoint/2010/main" val="3810355310"/>
       </p:ext>
     </p:extLst>
   </p:cSld>
@@ -4846,52 +4857,125 @@
             <p:ph type="title"/>
           </p:nvPr>
         </p:nvSpPr>
-        <p:spPr>
-          <a:xfrm>
-            <a:off x="457200" y="274638"/>
-            <a:ext cx="3289300" cy="1143000"/>
-          </a:xfrm>
-        </p:spPr>
-        <p:txBody>
-          <a:bodyPr/>
-          <a:lstStyle/>
-          <a:p>
-            <a:r>
-              <a:rPr lang="en-US" dirty="0" smtClean="0"/>
-              <a:t>BPMN 2.0</a:t>
+        <p:spPr/>
+        <p:txBody>
+          <a:bodyPr>
+            <a:normAutofit fontScale="90000"/>
+          </a:bodyPr>
+          <a:lstStyle/>
+          <a:p>
+            <a:r>
+              <a:rPr lang="en-US" dirty="0" smtClean="0"/>
+              <a:t>CMMN</a:t>
+            </a:r>
+            <a:br>
+              <a:rPr lang="en-US" dirty="0" smtClean="0"/>
+            </a:br>
+            <a:r>
+              <a:rPr lang="en-US" sz="3600" dirty="0" smtClean="0"/>
+              <a:t>Case Management and </a:t>
+            </a:r>
+            <a:r>
+              <a:rPr lang="en-US" sz="3600" dirty="0" err="1" smtClean="0"/>
+              <a:t>Modelling</a:t>
+            </a:r>
+            <a:r>
+              <a:rPr lang="en-US" sz="3600" dirty="0" smtClean="0"/>
+              <a:t> Notation</a:t>
+            </a:r>
+            <a:r>
+              <a:rPr lang="en-US" dirty="0" smtClean="0"/>
+              <a:t> </a:t>
             </a:r>
             <a:endParaRPr lang="en-US" dirty="0"/>
           </a:p>
         </p:txBody>
       </p:sp>
-      <p:pic>
-        <p:nvPicPr>
-          <p:cNvPr id="4" name="Picture 3"/>
-          <p:cNvPicPr>
-            <a:picLocks noChangeAspect="1"/>
-          </p:cNvPicPr>
-          <p:nvPr/>
-        </p:nvPicPr>
-        <p:blipFill>
-          <a:blip r:embed="rId2"/>
-          <a:stretch>
-            <a:fillRect/>
-          </a:stretch>
-        </p:blipFill>
-        <p:spPr>
-          <a:xfrm>
-            <a:off x="4102100" y="163481"/>
-            <a:ext cx="4730205" cy="5945219"/>
-          </a:xfrm>
-          <a:prstGeom prst="rect">
-            <a:avLst/>
-          </a:prstGeom>
-        </p:spPr>
-      </p:pic>
+      <p:sp>
+        <p:nvSpPr>
+          <p:cNvPr id="3" name="Content Placeholder 2"/>
+          <p:cNvSpPr>
+            <a:spLocks noGrp="1"/>
+          </p:cNvSpPr>
+          <p:nvPr>
+            <p:ph idx="1"/>
+          </p:nvPr>
+        </p:nvSpPr>
+        <p:spPr/>
+        <p:txBody>
+          <a:bodyPr>
+            <a:normAutofit lnSpcReduction="10000"/>
+          </a:bodyPr>
+          <a:lstStyle/>
+          <a:p>
+            <a:r>
+              <a:rPr lang="en-US" dirty="0" smtClean="0"/>
+              <a:t>A specification from OMG for </a:t>
+            </a:r>
+            <a:r>
+              <a:rPr lang="en-US" dirty="0" err="1" smtClean="0"/>
+              <a:t>modelling</a:t>
+            </a:r>
+            <a:r>
+              <a:rPr lang="en-US" dirty="0" smtClean="0"/>
+              <a:t> how to handle cases</a:t>
+            </a:r>
+          </a:p>
+          <a:p>
+            <a:r>
+              <a:rPr lang="en-US" dirty="0" smtClean="0"/>
+              <a:t>A more flexible approach to workflow that BPMN or BPEL</a:t>
+            </a:r>
+          </a:p>
+          <a:p>
+            <a:pPr lvl="1"/>
+            <a:r>
+              <a:rPr lang="en-US" dirty="0" smtClean="0"/>
+              <a:t>Certain workflows are very clear</a:t>
+            </a:r>
+          </a:p>
+          <a:p>
+            <a:pPr lvl="2"/>
+            <a:r>
+              <a:rPr lang="en-US" dirty="0" smtClean="0"/>
+              <a:t>Building a car</a:t>
+            </a:r>
+          </a:p>
+          <a:p>
+            <a:pPr lvl="1"/>
+            <a:r>
+              <a:rPr lang="en-US" dirty="0" smtClean="0"/>
+              <a:t>Others are more flexible</a:t>
+            </a:r>
+          </a:p>
+          <a:p>
+            <a:pPr lvl="2"/>
+            <a:r>
+              <a:rPr lang="en-US" dirty="0" smtClean="0"/>
+              <a:t>Hand building a mandolin</a:t>
+            </a:r>
+          </a:p>
+          <a:p>
+            <a:r>
+              <a:rPr lang="en-US" dirty="0" smtClean="0"/>
+              <a:t>Imperative </a:t>
+            </a:r>
+            <a:r>
+              <a:rPr lang="en-US" dirty="0" err="1" smtClean="0"/>
+              <a:t>vs</a:t>
+            </a:r>
+            <a:r>
+              <a:rPr lang="en-US" dirty="0" smtClean="0"/>
+              <a:t> “Causative”</a:t>
+            </a:r>
+            <a:endParaRPr lang="en-US" dirty="0"/>
+          </a:p>
+        </p:txBody>
+      </p:sp>
     </p:spTree>
     <p:extLst>
       <p:ext uri="{BB962C8B-B14F-4D97-AF65-F5344CB8AC3E}">
-        <p14:creationId xmlns:p14="http://schemas.microsoft.com/office/powerpoint/2010/main" val="1498721028"/>
+        <p14:creationId xmlns:p14="http://schemas.microsoft.com/office/powerpoint/2010/main" val="1031381821"/>
       </p:ext>
     </p:extLst>
   </p:cSld>
@@ -4928,148 +5012,61 @@
             <p:ph type="title"/>
           </p:nvPr>
         </p:nvSpPr>
-        <p:spPr>
-          <a:xfrm>
-            <a:off x="457200" y="510330"/>
-            <a:ext cx="8229600" cy="1143000"/>
-          </a:xfrm>
-        </p:spPr>
+        <p:spPr/>
         <p:txBody>
           <a:bodyPr>
-            <a:normAutofit fontScale="90000"/>
+            <a:normAutofit/>
           </a:bodyPr>
           <a:lstStyle/>
           <a:p>
-            <a:pPr algn="l"/>
-            <a:r>
-              <a:rPr lang="en-US" dirty="0" smtClean="0"/>
-              <a:t>How much </a:t>
+            <a:r>
+              <a:rPr lang="en-US" dirty="0" smtClean="0"/>
+              <a:t>CMMN example</a:t>
+            </a:r>
+            <a:r>
+              <a:rPr lang="en-US" dirty="0"/>
+              <a:t/>
             </a:r>
             <a:br>
-              <a:rPr lang="en-US" dirty="0" smtClean="0"/>
+              <a:rPr lang="en-US" dirty="0"/>
             </a:br>
             <a:r>
-              <a:rPr lang="en-US" dirty="0" smtClean="0"/>
-              <a:t>BPMN</a:t>
-            </a:r>
-            <a:br>
-              <a:rPr lang="en-US" dirty="0" smtClean="0"/>
-            </a:br>
-            <a:r>
-              <a:rPr lang="en-US" dirty="0" smtClean="0"/>
-              <a:t>do you need?</a:t>
-            </a:r>
-            <a:endParaRPr lang="en-US" dirty="0"/>
-          </a:p>
-        </p:txBody>
-      </p:sp>
-      <p:sp>
-        <p:nvSpPr>
-          <p:cNvPr id="4" name="Rectangle 3"/>
-          <p:cNvSpPr/>
-          <p:nvPr/>
-        </p:nvSpPr>
-        <p:spPr>
-          <a:xfrm>
-            <a:off x="457201" y="2967334"/>
-            <a:ext cx="11535330" cy="1169551"/>
-          </a:xfrm>
-          <a:prstGeom prst="rect">
-            <a:avLst/>
-          </a:prstGeom>
-        </p:spPr>
-        <p:txBody>
-          <a:bodyPr wrap="square">
-            <a:spAutoFit/>
-          </a:bodyPr>
-          <a:lstStyle/>
-          <a:p>
-            <a:r>
-              <a:rPr lang="en-US" sz="1400" dirty="0"/>
-              <a:t>How Much Language is Enough? </a:t>
-            </a:r>
-            <a:r>
-              <a:rPr lang="en-US" sz="1400" dirty="0" smtClean="0"/>
-              <a:t/>
-            </a:r>
-            <a:br>
-              <a:rPr lang="en-US" sz="1400" dirty="0" smtClean="0"/>
-            </a:br>
-            <a:r>
-              <a:rPr lang="en-US" sz="1400" dirty="0" smtClean="0"/>
-              <a:t>Theoretical </a:t>
-            </a:r>
-            <a:r>
-              <a:rPr lang="en-US" sz="1400" dirty="0"/>
-              <a:t>and Practical Use of the </a:t>
-            </a:r>
-            <a:r>
-              <a:rPr lang="en-US" sz="1400" dirty="0" smtClean="0"/>
-              <a:t/>
-            </a:r>
-            <a:br>
-              <a:rPr lang="en-US" sz="1400" dirty="0" smtClean="0"/>
-            </a:br>
-            <a:r>
-              <a:rPr lang="en-US" sz="1400" dirty="0" smtClean="0"/>
-              <a:t>Business </a:t>
-            </a:r>
-            <a:r>
-              <a:rPr lang="en-US" sz="1400" dirty="0"/>
-              <a:t>Process Management </a:t>
-            </a:r>
-            <a:r>
-              <a:rPr lang="en-US" sz="1400" dirty="0" smtClean="0"/>
-              <a:t>Notation</a:t>
-            </a:r>
-          </a:p>
-          <a:p>
-            <a:r>
-              <a:rPr lang="en-US" sz="1400" dirty="0">
+              <a:rPr lang="en-US" sz="1100" dirty="0"/>
+              <a:t>Source</a:t>
+            </a:r>
+            <a:r>
+              <a:rPr lang="en-US" sz="1100" dirty="0" smtClean="0"/>
+              <a:t>: </a:t>
+            </a:r>
+            <a:r>
+              <a:rPr lang="en-US" sz="1100" dirty="0" smtClean="0">
                 <a:hlinkClick r:id="rId2"/>
               </a:rPr>
-              <a:t>http://papers.ssrn.com/sol3</a:t>
-            </a:r>
-            <a:r>
-              <a:rPr lang="en-US" sz="1400" dirty="0" smtClean="0">
+              <a:t>http</a:t>
+            </a:r>
+            <a:r>
+              <a:rPr lang="en-US" sz="1100" dirty="0">
+                <a:hlinkClick r:id="rId2"/>
+              </a:rPr>
+              <a:t>://brsilver.com/bpmn-cmmn-compared</a:t>
+            </a:r>
+            <a:r>
+              <a:rPr lang="en-US" sz="1100" dirty="0" smtClean="0">
                 <a:hlinkClick r:id="rId2"/>
               </a:rPr>
               <a:t>/</a:t>
             </a:r>
-            <a:br>
-              <a:rPr lang="en-US" sz="1400" dirty="0" smtClean="0">
-                <a:hlinkClick r:id="rId2"/>
-              </a:rPr>
-            </a:br>
-            <a:r>
-              <a:rPr lang="en-US" sz="1400" dirty="0" smtClean="0">
-                <a:hlinkClick r:id="rId2"/>
-              </a:rPr>
-              <a:t>papers.cfm</a:t>
-            </a:r>
-            <a:r>
-              <a:rPr lang="en-US" sz="1400" dirty="0">
-                <a:hlinkClick r:id="rId2"/>
-              </a:rPr>
-              <a:t>?abstract_id=</a:t>
-            </a:r>
-            <a:r>
-              <a:rPr lang="en-US" sz="1400" dirty="0" smtClean="0">
-                <a:hlinkClick r:id="rId2"/>
-              </a:rPr>
-              <a:t>2038665</a:t>
-            </a:r>
-            <a:r>
-              <a:rPr lang="en-US" sz="1400" dirty="0" smtClean="0"/>
-              <a:t> </a:t>
-            </a:r>
-            <a:endParaRPr lang="en-US" sz="1400" dirty="0"/>
+            <a:r>
+              <a:rPr lang="en-US" sz="1100" dirty="0" smtClean="0"/>
+              <a:t>  </a:t>
+            </a:r>
+            <a:endParaRPr lang="en-US" sz="1100" dirty="0"/>
           </a:p>
         </p:txBody>
       </p:sp>
       <p:pic>
         <p:nvPicPr>
-          <p:cNvPr id="5" name="Picture 4"/>
+          <p:cNvPr id="4" name="Picture 3"/>
           <p:cNvPicPr>
             <a:picLocks noChangeAspect="1"/>
           </p:cNvPicPr>
@@ -5083,8 +5080,8 @@
         </p:blipFill>
         <p:spPr>
           <a:xfrm>
-            <a:off x="3959352" y="274638"/>
-            <a:ext cx="5184648" cy="5642117"/>
+            <a:off x="708389" y="1523966"/>
+            <a:ext cx="7371718" cy="5108203"/>
           </a:xfrm>
           <a:prstGeom prst="rect">
             <a:avLst/>
@@ -5094,7 +5091,7 @@
     </p:spTree>
     <p:extLst>
       <p:ext uri="{BB962C8B-B14F-4D97-AF65-F5344CB8AC3E}">
-        <p14:creationId xmlns:p14="http://schemas.microsoft.com/office/powerpoint/2010/main" val="3119230196"/>
+        <p14:creationId xmlns:p14="http://schemas.microsoft.com/office/powerpoint/2010/main" val="4240818444"/>
       </p:ext>
     </p:extLst>
   </p:cSld>
@@ -5247,14 +5244,19 @@
             <p:ph type="title"/>
           </p:nvPr>
         </p:nvSpPr>
-        <p:spPr/>
+        <p:spPr>
+          <a:xfrm>
+            <a:off x="457200" y="274638"/>
+            <a:ext cx="3289300" cy="1143000"/>
+          </a:xfrm>
+        </p:spPr>
         <p:txBody>
           <a:bodyPr/>
           <a:lstStyle/>
           <a:p>
             <a:r>
               <a:rPr lang="en-US" dirty="0" smtClean="0"/>
-              <a:t>BPEL</a:t>
+              <a:t>BPMN 2.0</a:t>
             </a:r>
             <a:endParaRPr lang="en-US" dirty="0"/>
           </a:p>
@@ -5262,62 +5264,32 @@
       </p:sp>
       <p:pic>
         <p:nvPicPr>
-          <p:cNvPr id="4" name="Picture 4" descr="E:\presentations\bps\bps\3.0.0\devstudio.png"/>
+          <p:cNvPr id="4" name="Picture 3"/>
           <p:cNvPicPr>
-            <a:picLocks noChangeAspect="1" noChangeArrowheads="1"/>
+            <a:picLocks noChangeAspect="1"/>
           </p:cNvPicPr>
           <p:nvPr/>
         </p:nvPicPr>
         <p:blipFill>
-          <a:blip r:embed="rId2">
-            <a:extLst>
-              <a:ext uri="{28A0092B-C50C-407E-A947-70E740481C1C}">
-                <a14:useLocalDpi xmlns:a14="http://schemas.microsoft.com/office/drawing/2010/main" val="0"/>
-              </a:ext>
-            </a:extLst>
-          </a:blip>
-          <a:srcRect/>
+          <a:blip r:embed="rId2"/>
           <a:stretch>
             <a:fillRect/>
           </a:stretch>
         </p:blipFill>
-        <p:spPr bwMode="auto">
-          <a:xfrm>
-            <a:off x="589197" y="1417638"/>
-            <a:ext cx="7947604" cy="4271273"/>
+        <p:spPr>
+          <a:xfrm>
+            <a:off x="4102100" y="163481"/>
+            <a:ext cx="4730205" cy="5945219"/>
           </a:xfrm>
           <a:prstGeom prst="rect">
             <a:avLst/>
           </a:prstGeom>
-          <a:noFill/>
-          <a:ln>
-            <a:noFill/>
-          </a:ln>
-          <a:extLst>
-            <a:ext uri="{909E8E84-426E-40dd-AFC4-6F175D3DCCD1}">
-              <a14:hiddenFill xmlns:a14="http://schemas.microsoft.com/office/drawing/2010/main">
-                <a:solidFill>
-                  <a:srgbClr val="FFFFFF"/>
-                </a:solidFill>
-              </a14:hiddenFill>
-            </a:ext>
-            <a:ext uri="{91240B29-F687-4f45-9708-019B960494DF}">
-              <a14:hiddenLine xmlns:a14="http://schemas.microsoft.com/office/drawing/2010/main" w="9525">
-                <a:solidFill>
-                  <a:srgbClr val="000000"/>
-                </a:solidFill>
-                <a:miter lim="800000"/>
-                <a:headEnd/>
-                <a:tailEnd/>
-              </a14:hiddenLine>
-            </a:ext>
-          </a:extLst>
         </p:spPr>
       </p:pic>
     </p:spTree>
     <p:extLst>
       <p:ext uri="{BB962C8B-B14F-4D97-AF65-F5344CB8AC3E}">
-        <p14:creationId xmlns:p14="http://schemas.microsoft.com/office/powerpoint/2010/main" val="3163225284"/>
+        <p14:creationId xmlns:p14="http://schemas.microsoft.com/office/powerpoint/2010/main" val="1498721028"/>
       </p:ext>
     </p:extLst>
   </p:cSld>
@@ -5361,7 +5333,7 @@
           <a:p>
             <a:r>
               <a:rPr lang="en-US" dirty="0" smtClean="0"/>
-              <a:t>BPEL Activities</a:t>
+              <a:t>BPMN 2.0 Basics</a:t>
             </a:r>
             <a:endParaRPr lang="en-US" dirty="0"/>
           </a:p>
@@ -5383,8 +5355,8 @@
         </p:blipFill>
         <p:spPr>
           <a:xfrm>
-            <a:off x="995087" y="1312076"/>
-            <a:ext cx="7533530" cy="4852977"/>
+            <a:off x="457200" y="1146175"/>
+            <a:ext cx="8585200" cy="5486400"/>
           </a:xfrm>
           <a:prstGeom prst="rect">
             <a:avLst/>
@@ -5394,7 +5366,7 @@
     </p:spTree>
     <p:extLst>
       <p:ext uri="{BB962C8B-B14F-4D97-AF65-F5344CB8AC3E}">
-        <p14:creationId xmlns:p14="http://schemas.microsoft.com/office/powerpoint/2010/main" val="873062052"/>
+        <p14:creationId xmlns:p14="http://schemas.microsoft.com/office/powerpoint/2010/main" val="1310807420"/>
       </p:ext>
     </p:extLst>
   </p:cSld>
@@ -5433,30 +5405,75 @@
         </p:nvSpPr>
         <p:spPr/>
         <p:txBody>
-          <a:bodyPr>
-            <a:normAutofit fontScale="90000"/>
-          </a:bodyPr>
-          <a:lstStyle/>
-          <a:p>
-            <a:pPr algn="l"/>
-            <a:r>
-              <a:rPr lang="en-US" dirty="0" smtClean="0"/>
-              <a:t>Fault </a:t>
-            </a:r>
-            <a:br>
-              <a:rPr lang="en-US" dirty="0" smtClean="0"/>
-            </a:br>
-            <a:r>
-              <a:rPr lang="en-US" dirty="0" smtClean="0"/>
-              <a:t>Handling</a:t>
-            </a:r>
+          <a:bodyPr/>
+          <a:lstStyle/>
+          <a:p>
+            <a:r>
+              <a:rPr lang="en-US" dirty="0" smtClean="0"/>
+              <a:t>BPMN Basic Constructs</a:t>
+            </a:r>
+            <a:endParaRPr lang="en-US" dirty="0"/>
+          </a:p>
+        </p:txBody>
+      </p:sp>
+      <p:sp>
+        <p:nvSpPr>
+          <p:cNvPr id="3" name="Content Placeholder 2"/>
+          <p:cNvSpPr>
+            <a:spLocks noGrp="1"/>
+          </p:cNvSpPr>
+          <p:nvPr>
+            <p:ph idx="1"/>
+          </p:nvPr>
+        </p:nvSpPr>
+        <p:spPr/>
+        <p:txBody>
+          <a:bodyPr/>
+          <a:lstStyle/>
+          <a:p>
+            <a:r>
+              <a:rPr lang="en-US" dirty="0" smtClean="0"/>
+              <a:t>Events</a:t>
+            </a:r>
+          </a:p>
+          <a:p>
+            <a:endParaRPr lang="en-US" dirty="0"/>
+          </a:p>
+          <a:p>
+            <a:r>
+              <a:rPr lang="en-US" dirty="0" smtClean="0"/>
+              <a:t>Activities</a:t>
+            </a:r>
+          </a:p>
+          <a:p>
+            <a:endParaRPr lang="en-US" dirty="0"/>
+          </a:p>
+          <a:p>
+            <a:r>
+              <a:rPr lang="en-US" dirty="0" smtClean="0"/>
+              <a:t>Gateways</a:t>
+            </a:r>
+          </a:p>
+          <a:p>
+            <a:endParaRPr lang="en-US" dirty="0"/>
+          </a:p>
+          <a:p>
+            <a:r>
+              <a:rPr lang="en-US" dirty="0" smtClean="0"/>
+              <a:t>Sequence Flows</a:t>
+            </a:r>
+          </a:p>
+          <a:p>
+            <a:pPr marL="0" indent="0">
+              <a:buNone/>
+            </a:pPr>
             <a:endParaRPr lang="en-US" dirty="0"/>
           </a:p>
         </p:txBody>
       </p:sp>
       <p:pic>
         <p:nvPicPr>
-          <p:cNvPr id="4" name="Picture 3"/>
+          <p:cNvPr id="5" name="Picture 4"/>
           <p:cNvPicPr>
             <a:picLocks noChangeAspect="1"/>
           </p:cNvPicPr>
@@ -5470,8 +5487,80 @@
         </p:blipFill>
         <p:spPr>
           <a:xfrm>
-            <a:off x="3282506" y="39281"/>
-            <a:ext cx="5547251" cy="5944691"/>
+            <a:off x="3111500" y="1600200"/>
+            <a:ext cx="2908300" cy="787400"/>
+          </a:xfrm>
+          <a:prstGeom prst="rect">
+            <a:avLst/>
+          </a:prstGeom>
+        </p:spPr>
+      </p:pic>
+      <p:pic>
+        <p:nvPicPr>
+          <p:cNvPr id="6" name="Picture 5"/>
+          <p:cNvPicPr>
+            <a:picLocks noChangeAspect="1"/>
+          </p:cNvPicPr>
+          <p:nvPr/>
+        </p:nvPicPr>
+        <p:blipFill>
+          <a:blip r:embed="rId3"/>
+          <a:stretch>
+            <a:fillRect/>
+          </a:stretch>
+        </p:blipFill>
+        <p:spPr>
+          <a:xfrm>
+            <a:off x="2571750" y="2653371"/>
+            <a:ext cx="5143500" cy="1045503"/>
+          </a:xfrm>
+          <a:prstGeom prst="rect">
+            <a:avLst/>
+          </a:prstGeom>
+        </p:spPr>
+      </p:pic>
+      <p:pic>
+        <p:nvPicPr>
+          <p:cNvPr id="9" name="Picture 8"/>
+          <p:cNvPicPr>
+            <a:picLocks noChangeAspect="1"/>
+          </p:cNvPicPr>
+          <p:nvPr/>
+        </p:nvPicPr>
+        <p:blipFill>
+          <a:blip r:embed="rId4"/>
+          <a:stretch>
+            <a:fillRect/>
+          </a:stretch>
+        </p:blipFill>
+        <p:spPr>
+          <a:xfrm>
+            <a:off x="3879850" y="4724400"/>
+            <a:ext cx="5130800" cy="1206500"/>
+          </a:xfrm>
+          <a:prstGeom prst="rect">
+            <a:avLst/>
+          </a:prstGeom>
+        </p:spPr>
+      </p:pic>
+      <p:pic>
+        <p:nvPicPr>
+          <p:cNvPr id="4" name="Picture 3"/>
+          <p:cNvPicPr>
+            <a:picLocks noChangeAspect="1"/>
+          </p:cNvPicPr>
+          <p:nvPr/>
+        </p:nvPicPr>
+        <p:blipFill>
+          <a:blip r:embed="rId5"/>
+          <a:stretch>
+            <a:fillRect/>
+          </a:stretch>
+        </p:blipFill>
+        <p:spPr>
+          <a:xfrm>
+            <a:off x="2847964" y="3810000"/>
+            <a:ext cx="4648200" cy="914400"/>
           </a:xfrm>
           <a:prstGeom prst="rect">
             <a:avLst/>
@@ -5481,7 +5570,7 @@
     </p:spTree>
     <p:extLst>
       <p:ext uri="{BB962C8B-B14F-4D97-AF65-F5344CB8AC3E}">
-        <p14:creationId xmlns:p14="http://schemas.microsoft.com/office/powerpoint/2010/main" val="1509831393"/>
+        <p14:creationId xmlns:p14="http://schemas.microsoft.com/office/powerpoint/2010/main" val="311980894"/>
       </p:ext>
     </p:extLst>
   </p:cSld>
@@ -5524,8 +5613,8 @@
           <a:lstStyle/>
           <a:p>
             <a:r>
-              <a:rPr lang="en-US" smtClean="0"/>
-              <a:t>Partner Links</a:t>
+              <a:rPr lang="en-US" dirty="0" smtClean="0"/>
+              <a:t>Text Annotations</a:t>
             </a:r>
             <a:endParaRPr lang="en-US" dirty="0"/>
           </a:p>
@@ -5543,81 +5632,47 @@
         </p:nvSpPr>
         <p:spPr/>
         <p:txBody>
-          <a:bodyPr>
-            <a:normAutofit fontScale="85000" lnSpcReduction="10000"/>
-          </a:bodyPr>
-          <a:lstStyle/>
-          <a:p>
-            <a:r>
-              <a:rPr lang="en-US" dirty="0" smtClean="0"/>
-              <a:t>Interactions between business process and external parties</a:t>
-            </a:r>
-          </a:p>
-          <a:p>
-            <a:pPr lvl="1"/>
-            <a:r>
-              <a:rPr lang="en-US" dirty="0"/>
-              <a:t>P</a:t>
-            </a:r>
-            <a:r>
-              <a:rPr lang="en-US" dirty="0" smtClean="0"/>
-              <a:t>artner link type defines one (for unidirectional links) or two (for bi-directional) roles of corresponding port type</a:t>
-            </a:r>
-          </a:p>
-          <a:p>
-            <a:r>
-              <a:rPr lang="en-US" dirty="0"/>
-              <a:t>P</a:t>
-            </a:r>
-            <a:r>
-              <a:rPr lang="en-US" dirty="0" smtClean="0"/>
-              <a:t>artner links instantiate partner link types, specifying </a:t>
-            </a:r>
-            <a:r>
-              <a:rPr lang="en-US" dirty="0" err="1" smtClean="0"/>
-              <a:t>myRole</a:t>
-            </a:r>
-            <a:r>
-              <a:rPr lang="en-US" dirty="0" smtClean="0"/>
-              <a:t> (played by this process) and/or </a:t>
-            </a:r>
-            <a:r>
-              <a:rPr lang="en-US" dirty="0" err="1" smtClean="0"/>
-              <a:t>partnerRole</a:t>
-            </a:r>
-            <a:r>
-              <a:rPr lang="en-US" dirty="0" smtClean="0"/>
-              <a:t> (played by external party)</a:t>
-            </a:r>
-          </a:p>
-          <a:p>
-            <a:pPr lvl="1"/>
-            <a:r>
-              <a:rPr lang="en-US" dirty="0" smtClean="0"/>
-              <a:t>bindings of actual partners to external roles are omitted</a:t>
-            </a:r>
-          </a:p>
-          <a:p>
-            <a:r>
-              <a:rPr lang="en-US" dirty="0" smtClean="0"/>
-              <a:t>Who takes what role?</a:t>
-            </a:r>
-          </a:p>
-          <a:p>
-            <a:r>
-              <a:rPr lang="en-US" dirty="0" smtClean="0"/>
-              <a:t>A key concept for asynchronous messaging</a:t>
-            </a:r>
-          </a:p>
-          <a:p>
-            <a:endParaRPr lang="en-US" dirty="0" smtClean="0"/>
-          </a:p>
-        </p:txBody>
-      </p:sp>
+          <a:bodyPr/>
+          <a:lstStyle/>
+          <a:p>
+            <a:r>
+              <a:rPr lang="en-US" dirty="0" smtClean="0"/>
+              <a:t>How you document your processes</a:t>
+            </a:r>
+          </a:p>
+          <a:p>
+            <a:endParaRPr lang="en-US" dirty="0"/>
+          </a:p>
+        </p:txBody>
+      </p:sp>
+      <p:pic>
+        <p:nvPicPr>
+          <p:cNvPr id="5" name="Picture 4"/>
+          <p:cNvPicPr>
+            <a:picLocks noChangeAspect="1"/>
+          </p:cNvPicPr>
+          <p:nvPr/>
+        </p:nvPicPr>
+        <p:blipFill>
+          <a:blip r:embed="rId2"/>
+          <a:stretch>
+            <a:fillRect/>
+          </a:stretch>
+        </p:blipFill>
+        <p:spPr>
+          <a:xfrm>
+            <a:off x="217994" y="2377261"/>
+            <a:ext cx="7227382" cy="4366941"/>
+          </a:xfrm>
+          <a:prstGeom prst="rect">
+            <a:avLst/>
+          </a:prstGeom>
+        </p:spPr>
+      </p:pic>
     </p:spTree>
     <p:extLst>
       <p:ext uri="{BB962C8B-B14F-4D97-AF65-F5344CB8AC3E}">
-        <p14:creationId xmlns:p14="http://schemas.microsoft.com/office/powerpoint/2010/main" val="1983724189"/>
+        <p14:creationId xmlns:p14="http://schemas.microsoft.com/office/powerpoint/2010/main" val="4287862343"/>
       </p:ext>
     </p:extLst>
   </p:cSld>
@@ -5661,7 +5716,7 @@
           <a:p>
             <a:r>
               <a:rPr lang="en-US" dirty="0" smtClean="0"/>
-              <a:t>BPEL data</a:t>
+              <a:t>Start Events</a:t>
             </a:r>
             <a:endParaRPr lang="en-US" dirty="0"/>
           </a:p>
@@ -5684,56 +5739,170 @@
           <a:p>
             <a:r>
               <a:rPr lang="en-US" dirty="0" smtClean="0"/>
-              <a:t>Control flow not data flow</a:t>
-            </a:r>
-          </a:p>
-          <a:p>
-            <a:r>
-              <a:rPr lang="en-US" dirty="0" smtClean="0"/>
-              <a:t>Variables are assigned on:</a:t>
+              <a:t>Start Event </a:t>
             </a:r>
           </a:p>
           <a:p>
             <a:pPr lvl="1"/>
             <a:r>
               <a:rPr lang="en-US" dirty="0" smtClean="0"/>
-              <a:t>Input</a:t>
-            </a:r>
+              <a:t>Message Start </a:t>
+            </a:r>
+            <a:endParaRPr lang="en-US" dirty="0"/>
           </a:p>
           <a:p>
             <a:pPr lvl="1"/>
             <a:r>
               <a:rPr lang="en-US" dirty="0" smtClean="0"/>
-              <a:t>Return</a:t>
+              <a:t>Timer Start </a:t>
             </a:r>
           </a:p>
           <a:p>
             <a:pPr lvl="1"/>
             <a:r>
               <a:rPr lang="en-US" dirty="0" smtClean="0"/>
-              <a:t>&lt;assign&gt;</a:t>
-            </a:r>
-          </a:p>
-          <a:p>
-            <a:r>
-              <a:rPr lang="en-US" dirty="0" smtClean="0"/>
-              <a:t>Often need to jump into XSLT</a:t>
+              <a:t>Conditional Start</a:t>
             </a:r>
           </a:p>
           <a:p>
             <a:pPr lvl="1"/>
             <a:r>
               <a:rPr lang="en-US" dirty="0" smtClean="0"/>
-              <a:t>Cumbersome</a:t>
-            </a:r>
+              <a:t>Signal Start </a:t>
+            </a:r>
+          </a:p>
+          <a:p>
+            <a:pPr marL="0" indent="0">
+              <a:buNone/>
+            </a:pPr>
             <a:endParaRPr lang="en-US" dirty="0"/>
           </a:p>
         </p:txBody>
       </p:sp>
+      <p:pic>
+        <p:nvPicPr>
+          <p:cNvPr id="5" name="Picture 4"/>
+          <p:cNvPicPr>
+            <a:picLocks noChangeAspect="1"/>
+          </p:cNvPicPr>
+          <p:nvPr/>
+        </p:nvPicPr>
+        <p:blipFill>
+          <a:blip r:embed="rId2"/>
+          <a:stretch>
+            <a:fillRect/>
+          </a:stretch>
+        </p:blipFill>
+        <p:spPr>
+          <a:xfrm>
+            <a:off x="2713118" y="1600199"/>
+            <a:ext cx="980826" cy="776487"/>
+          </a:xfrm>
+          <a:prstGeom prst="rect">
+            <a:avLst/>
+          </a:prstGeom>
+        </p:spPr>
+      </p:pic>
+      <p:pic>
+        <p:nvPicPr>
+          <p:cNvPr id="8" name="Picture 7"/>
+          <p:cNvPicPr>
+            <a:picLocks noChangeAspect="1"/>
+          </p:cNvPicPr>
+          <p:nvPr/>
+        </p:nvPicPr>
+        <p:blipFill>
+          <a:blip r:embed="rId3"/>
+          <a:stretch>
+            <a:fillRect/>
+          </a:stretch>
+        </p:blipFill>
+        <p:spPr>
+          <a:xfrm>
+            <a:off x="3553631" y="2082470"/>
+            <a:ext cx="723900" cy="698500"/>
+          </a:xfrm>
+          <a:prstGeom prst="rect">
+            <a:avLst/>
+          </a:prstGeom>
+        </p:spPr>
+      </p:pic>
+      <p:pic>
+        <p:nvPicPr>
+          <p:cNvPr id="9" name="Picture 8"/>
+          <p:cNvPicPr>
+            <a:picLocks noChangeAspect="1"/>
+          </p:cNvPicPr>
+          <p:nvPr/>
+        </p:nvPicPr>
+        <p:blipFill>
+          <a:blip r:embed="rId4"/>
+          <a:stretch>
+            <a:fillRect/>
+          </a:stretch>
+        </p:blipFill>
+        <p:spPr>
+          <a:xfrm>
+            <a:off x="2918074" y="2625527"/>
+            <a:ext cx="825500" cy="673100"/>
+          </a:xfrm>
+          <a:prstGeom prst="rect">
+            <a:avLst/>
+          </a:prstGeom>
+        </p:spPr>
+      </p:pic>
+      <p:pic>
+        <p:nvPicPr>
+          <p:cNvPr id="10" name="Picture 9"/>
+          <p:cNvPicPr>
+            <a:picLocks noChangeAspect="1"/>
+          </p:cNvPicPr>
+          <p:nvPr/>
+        </p:nvPicPr>
+        <p:blipFill>
+          <a:blip r:embed="rId5"/>
+          <a:stretch>
+            <a:fillRect/>
+          </a:stretch>
+        </p:blipFill>
+        <p:spPr>
+          <a:xfrm>
+            <a:off x="3935595" y="3159654"/>
+            <a:ext cx="812800" cy="749300"/>
+          </a:xfrm>
+          <a:prstGeom prst="rect">
+            <a:avLst/>
+          </a:prstGeom>
+        </p:spPr>
+      </p:pic>
+      <p:pic>
+        <p:nvPicPr>
+          <p:cNvPr id="11" name="Picture 10"/>
+          <p:cNvPicPr>
+            <a:picLocks noChangeAspect="1"/>
+          </p:cNvPicPr>
+          <p:nvPr/>
+        </p:nvPicPr>
+        <p:blipFill>
+          <a:blip r:embed="rId6"/>
+          <a:stretch>
+            <a:fillRect/>
+          </a:stretch>
+        </p:blipFill>
+        <p:spPr>
+          <a:xfrm>
+            <a:off x="2918074" y="3646884"/>
+            <a:ext cx="749300" cy="723900"/>
+          </a:xfrm>
+          <a:prstGeom prst="rect">
+            <a:avLst/>
+          </a:prstGeom>
+        </p:spPr>
+      </p:pic>
     </p:spTree>
     <p:extLst>
       <p:ext uri="{BB962C8B-B14F-4D97-AF65-F5344CB8AC3E}">
-        <p14:creationId xmlns:p14="http://schemas.microsoft.com/office/powerpoint/2010/main" val="57477603"/>
+        <p14:creationId xmlns:p14="http://schemas.microsoft.com/office/powerpoint/2010/main" val="3384156764"/>
       </p:ext>
     </p:extLst>
   </p:cSld>
@@ -5777,111 +5946,108 @@
           <a:p>
             <a:r>
               <a:rPr lang="en-US" dirty="0" smtClean="0"/>
-              <a:t>BPEL extensions and extras</a:t>
+              <a:t>Some Intermediate Events</a:t>
             </a:r>
             <a:endParaRPr lang="en-US" dirty="0"/>
           </a:p>
         </p:txBody>
       </p:sp>
-      <p:sp>
-        <p:nvSpPr>
-          <p:cNvPr id="3" name="Content Placeholder 2"/>
-          <p:cNvSpPr>
-            <a:spLocks noGrp="1"/>
-          </p:cNvSpPr>
-          <p:nvPr>
-            <p:ph idx="1"/>
-          </p:nvPr>
-        </p:nvSpPr>
-        <p:spPr/>
-        <p:txBody>
-          <a:bodyPr/>
-          <a:lstStyle/>
-          <a:p>
-            <a:r>
-              <a:rPr lang="en-US" dirty="0" smtClean="0"/>
-              <a:t>BPEL4People/WS-</a:t>
-            </a:r>
-            <a:r>
-              <a:rPr lang="en-US" dirty="0" err="1" smtClean="0"/>
-              <a:t>HumanTasks</a:t>
-            </a:r>
-            <a:endParaRPr lang="en-US" dirty="0" smtClean="0"/>
-          </a:p>
-          <a:p>
-            <a:pPr lvl="1"/>
-            <a:r>
-              <a:rPr lang="en-US" dirty="0" smtClean="0"/>
-              <a:t>How people interact with BPEL</a:t>
-            </a:r>
-          </a:p>
-          <a:p>
-            <a:r>
-              <a:rPr lang="en-US" dirty="0" err="1" smtClean="0"/>
-              <a:t>BPELlight</a:t>
-            </a:r>
-            <a:endParaRPr lang="en-US" dirty="0" smtClean="0"/>
-          </a:p>
-          <a:p>
-            <a:pPr lvl="1"/>
-            <a:r>
-              <a:rPr lang="en-US" dirty="0" smtClean="0"/>
-              <a:t>WSDL-less BPEL</a:t>
-            </a:r>
-          </a:p>
-          <a:p>
-            <a:r>
-              <a:rPr lang="en-US" dirty="0" smtClean="0"/>
-              <a:t>BPEL JS/E4X</a:t>
-            </a:r>
-          </a:p>
-          <a:p>
-            <a:pPr lvl="1"/>
-            <a:r>
-              <a:rPr lang="en-US" dirty="0" smtClean="0"/>
-              <a:t>Simplified assignment</a:t>
-            </a:r>
-          </a:p>
-          <a:p>
-            <a:r>
-              <a:rPr lang="en-US" dirty="0" err="1" smtClean="0"/>
-              <a:t>BPELScript</a:t>
-            </a:r>
-            <a:r>
-              <a:rPr lang="en-US" dirty="0" smtClean="0"/>
-              <a:t>/</a:t>
-            </a:r>
-            <a:r>
-              <a:rPr lang="en-US" dirty="0" err="1" smtClean="0"/>
-              <a:t>simBPEL</a:t>
-            </a:r>
-            <a:r>
-              <a:rPr lang="en-US" dirty="0" smtClean="0"/>
-              <a:t>/</a:t>
-            </a:r>
-            <a:r>
-              <a:rPr lang="en-US" dirty="0" err="1" smtClean="0"/>
-              <a:t>SimPEL</a:t>
-            </a:r>
-            <a:endParaRPr lang="en-US" dirty="0" smtClean="0"/>
-          </a:p>
-          <a:p>
-            <a:pPr lvl="1"/>
-            <a:r>
-              <a:rPr lang="en-US" dirty="0" smtClean="0"/>
-              <a:t>DSL/textual notations for BPEL</a:t>
-            </a:r>
-          </a:p>
-          <a:p>
-            <a:pPr lvl="1"/>
-            <a:endParaRPr lang="en-US" dirty="0"/>
+      <p:pic>
+        <p:nvPicPr>
+          <p:cNvPr id="4" name="Picture 3"/>
+          <p:cNvPicPr>
+            <a:picLocks noChangeAspect="1"/>
+          </p:cNvPicPr>
+          <p:nvPr/>
+        </p:nvPicPr>
+        <p:blipFill>
+          <a:blip r:embed="rId2"/>
+          <a:stretch>
+            <a:fillRect/>
+          </a:stretch>
+        </p:blipFill>
+        <p:spPr>
+          <a:xfrm>
+            <a:off x="812490" y="1790700"/>
+            <a:ext cx="1003300" cy="3276600"/>
+          </a:xfrm>
+          <a:prstGeom prst="rect">
+            <a:avLst/>
+          </a:prstGeom>
+        </p:spPr>
+      </p:pic>
+      <p:sp>
+        <p:nvSpPr>
+          <p:cNvPr id="5" name="TextBox 4"/>
+          <p:cNvSpPr txBox="1"/>
+          <p:nvPr/>
+        </p:nvSpPr>
+        <p:spPr>
+          <a:xfrm>
+            <a:off x="1815789" y="1981859"/>
+            <a:ext cx="2761443" cy="3170099"/>
+          </a:xfrm>
+          <a:prstGeom prst="rect">
+            <a:avLst/>
+          </a:prstGeom>
+          <a:noFill/>
+        </p:spPr>
+        <p:txBody>
+          <a:bodyPr wrap="square" rtlCol="0">
+            <a:spAutoFit/>
+          </a:bodyPr>
+          <a:lstStyle/>
+          <a:p>
+            <a:r>
+              <a:rPr lang="en-US" sz="2000" dirty="0" smtClean="0"/>
+              <a:t>Basic Intermediate Event</a:t>
+            </a:r>
+          </a:p>
+          <a:p>
+            <a:endParaRPr lang="en-US" sz="2000" dirty="0"/>
+          </a:p>
+          <a:p>
+            <a:r>
+              <a:rPr lang="en-US" sz="2000" dirty="0" smtClean="0"/>
+              <a:t>Message Catch </a:t>
+            </a:r>
+          </a:p>
+          <a:p>
+            <a:endParaRPr lang="en-US" sz="2000" dirty="0"/>
+          </a:p>
+          <a:p>
+            <a:r>
+              <a:rPr lang="en-US" sz="2000" dirty="0" smtClean="0"/>
+              <a:t>Message Throw</a:t>
+            </a:r>
+          </a:p>
+          <a:p>
+            <a:endParaRPr lang="en-US" sz="2000" dirty="0"/>
+          </a:p>
+          <a:p>
+            <a:r>
+              <a:rPr lang="en-US" sz="2000" dirty="0" smtClean="0"/>
+              <a:t>Timer</a:t>
+            </a:r>
+          </a:p>
+          <a:p>
+            <a:endParaRPr lang="en-US" sz="2000" dirty="0"/>
+          </a:p>
+          <a:p>
+            <a:r>
+              <a:rPr lang="en-US" sz="2000" dirty="0" smtClean="0"/>
+              <a:t>Escalation</a:t>
+            </a:r>
+          </a:p>
+          <a:p>
+            <a:endParaRPr lang="en-US" sz="2000" dirty="0"/>
           </a:p>
         </p:txBody>
       </p:sp>
     </p:spTree>
     <p:extLst>
       <p:ext uri="{BB962C8B-B14F-4D97-AF65-F5344CB8AC3E}">
-        <p14:creationId xmlns:p14="http://schemas.microsoft.com/office/powerpoint/2010/main" val="4104462729"/>
+        <p14:creationId xmlns:p14="http://schemas.microsoft.com/office/powerpoint/2010/main" val="1375110157"/>
       </p:ext>
     </p:extLst>
   </p:cSld>
@@ -5925,7 +6091,7 @@
           <a:p>
             <a:r>
               <a:rPr lang="en-US" dirty="0" smtClean="0"/>
-              <a:t>Human Tasks</a:t>
+              <a:t>Some End Events</a:t>
             </a:r>
             <a:endParaRPr lang="en-US" dirty="0"/>
           </a:p>
@@ -5933,62 +6099,32 @@
       </p:sp>
       <p:pic>
         <p:nvPicPr>
-          <p:cNvPr id="4" name="Picture 4" descr="E:\presentations\bps\bps\3.0.0\ht-inaction-01.png"/>
+          <p:cNvPr id="4" name="Picture 3"/>
           <p:cNvPicPr>
-            <a:picLocks noChangeAspect="1" noChangeArrowheads="1"/>
+            <a:picLocks noChangeAspect="1"/>
           </p:cNvPicPr>
           <p:nvPr/>
         </p:nvPicPr>
         <p:blipFill>
-          <a:blip r:embed="rId2">
-            <a:extLst>
-              <a:ext uri="{28A0092B-C50C-407E-A947-70E740481C1C}">
-                <a14:useLocalDpi xmlns:a14="http://schemas.microsoft.com/office/drawing/2010/main" val="0"/>
-              </a:ext>
-            </a:extLst>
-          </a:blip>
-          <a:srcRect/>
+          <a:blip r:embed="rId2"/>
           <a:stretch>
             <a:fillRect/>
           </a:stretch>
         </p:blipFill>
-        <p:spPr bwMode="auto">
-          <a:xfrm>
-            <a:off x="535758" y="1116036"/>
-            <a:ext cx="7582057" cy="4866525"/>
+        <p:spPr>
+          <a:xfrm>
+            <a:off x="1905000" y="1409700"/>
+            <a:ext cx="5334000" cy="4025900"/>
           </a:xfrm>
           <a:prstGeom prst="rect">
             <a:avLst/>
           </a:prstGeom>
-          <a:noFill/>
-          <a:ln>
-            <a:noFill/>
-          </a:ln>
-          <a:extLst>
-            <a:ext uri="{909E8E84-426E-40dd-AFC4-6F175D3DCCD1}">
-              <a14:hiddenFill xmlns:a14="http://schemas.microsoft.com/office/drawing/2010/main">
-                <a:solidFill>
-                  <a:srgbClr val="FFFFFF"/>
-                </a:solidFill>
-              </a14:hiddenFill>
-            </a:ext>
-            <a:ext uri="{91240B29-F687-4f45-9708-019B960494DF}">
-              <a14:hiddenLine xmlns:a14="http://schemas.microsoft.com/office/drawing/2010/main" w="9525">
-                <a:solidFill>
-                  <a:srgbClr val="000000"/>
-                </a:solidFill>
-                <a:miter lim="800000"/>
-                <a:headEnd/>
-                <a:tailEnd/>
-              </a14:hiddenLine>
-            </a:ext>
-          </a:extLst>
         </p:spPr>
       </p:pic>
     </p:spTree>
     <p:extLst>
       <p:ext uri="{BB962C8B-B14F-4D97-AF65-F5344CB8AC3E}">
-        <p14:creationId xmlns:p14="http://schemas.microsoft.com/office/powerpoint/2010/main" val="622083406"/>
+        <p14:creationId xmlns:p14="http://schemas.microsoft.com/office/powerpoint/2010/main" val="3427469201"/>
       </p:ext>
     </p:extLst>
   </p:cSld>
@@ -6032,18 +6168,13 @@
           </a:bodyPr>
           <a:lstStyle/>
           <a:p>
-            <a:pPr algn="l"/>
-            <a:r>
-              <a:rPr lang="en-US" dirty="0" smtClean="0"/>
-              <a:t>Amazon Simple</a:t>
+            <a:r>
+              <a:rPr lang="en-US" dirty="0" smtClean="0"/>
+              <a:t>Activities</a:t>
             </a:r>
             <a:br>
               <a:rPr lang="en-US" dirty="0" smtClean="0"/>
             </a:br>
-            <a:r>
-              <a:rPr lang="en-US" dirty="0" smtClean="0"/>
-              <a:t> Workflow Service</a:t>
-            </a:r>
             <a:endParaRPr lang="en-US" dirty="0"/>
           </a:p>
         </p:txBody>
@@ -6064,62 +6195,18 @@
         </p:blipFill>
         <p:spPr>
           <a:xfrm>
-            <a:off x="3342666" y="274638"/>
-            <a:ext cx="5539748" cy="5551870"/>
+            <a:off x="0" y="1198434"/>
+            <a:ext cx="9144000" cy="5659566"/>
           </a:xfrm>
           <a:prstGeom prst="rect">
             <a:avLst/>
           </a:prstGeom>
         </p:spPr>
       </p:pic>
-      <p:sp>
-        <p:nvSpPr>
-          <p:cNvPr id="5" name="Rectangle 4"/>
-          <p:cNvSpPr/>
-          <p:nvPr/>
-        </p:nvSpPr>
-        <p:spPr>
-          <a:xfrm>
-            <a:off x="457200" y="4147823"/>
-            <a:ext cx="2929007" cy="369332"/>
-          </a:xfrm>
-          <a:prstGeom prst="rect">
-            <a:avLst/>
-          </a:prstGeom>
-        </p:spPr>
-        <p:txBody>
-          <a:bodyPr wrap="none">
-            <a:spAutoFit/>
-          </a:bodyPr>
-          <a:lstStyle/>
-          <a:p>
-            <a:r>
-              <a:rPr lang="en-US" dirty="0"/>
-              <a:t>http://</a:t>
-            </a:r>
-            <a:r>
-              <a:rPr lang="en-US" dirty="0" err="1"/>
-              <a:t>aws.amazon.com</a:t>
-            </a:r>
-            <a:r>
-              <a:rPr lang="en-US" dirty="0"/>
-              <a:t>/</a:t>
-            </a:r>
-            <a:r>
-              <a:rPr lang="en-US" dirty="0" err="1"/>
-              <a:t>swf</a:t>
-            </a:r>
-            <a:r>
-              <a:rPr lang="en-US" dirty="0"/>
-              <a:t>/</a:t>
-            </a:r>
-          </a:p>
-        </p:txBody>
-      </p:sp>
     </p:spTree>
     <p:extLst>
       <p:ext uri="{BB962C8B-B14F-4D97-AF65-F5344CB8AC3E}">
-        <p14:creationId xmlns:p14="http://schemas.microsoft.com/office/powerpoint/2010/main" val="831567339"/>
+        <p14:creationId xmlns:p14="http://schemas.microsoft.com/office/powerpoint/2010/main" val="3743873581"/>
       </p:ext>
     </p:extLst>
   </p:cSld>
@@ -6163,7 +6250,7 @@
           <a:p>
             <a:r>
               <a:rPr lang="en-US" dirty="0" smtClean="0"/>
-              <a:t>Summary</a:t>
+              <a:t>Service Task	</a:t>
             </a:r>
             <a:endParaRPr lang="en-US" dirty="0"/>
           </a:p>
@@ -6181,67 +6268,120 @@
         </p:nvSpPr>
         <p:spPr/>
         <p:txBody>
-          <a:bodyPr>
-            <a:normAutofit lnSpcReduction="10000"/>
-          </a:bodyPr>
-          <a:lstStyle/>
-          <a:p>
-            <a:r>
-              <a:rPr lang="en-US" sz="2800" dirty="0" smtClean="0"/>
-              <a:t>Process Management has a strong place in composing SOA systems</a:t>
+          <a:bodyPr/>
+          <a:lstStyle/>
+          <a:p>
+            <a:r>
+              <a:rPr lang="en-US" dirty="0" smtClean="0"/>
+              <a:t>Call a service</a:t>
             </a:r>
           </a:p>
           <a:p>
             <a:pPr lvl="1"/>
             <a:r>
-              <a:rPr lang="en-US" sz="2400" dirty="0" err="1" smtClean="0"/>
-              <a:t>Externalising</a:t>
-            </a:r>
-            <a:r>
-              <a:rPr lang="en-US" sz="2400" dirty="0" smtClean="0"/>
-              <a:t> dependencies</a:t>
-            </a:r>
-          </a:p>
-          <a:p>
-            <a:pPr lvl="1"/>
-            <a:r>
-              <a:rPr lang="en-US" sz="2400" dirty="0" smtClean="0"/>
-              <a:t>Agility</a:t>
-            </a:r>
-          </a:p>
-          <a:p>
-            <a:pPr lvl="1"/>
-            <a:r>
-              <a:rPr lang="en-US" sz="2400" dirty="0" smtClean="0"/>
-              <a:t>Sharing with the business owners</a:t>
-            </a:r>
-            <a:endParaRPr lang="en-US" sz="2400" dirty="0"/>
-          </a:p>
-          <a:p>
-            <a:r>
-              <a:rPr lang="en-US" sz="2800" dirty="0" smtClean="0"/>
-              <a:t>BPEL is the most common and standard model today</a:t>
-            </a:r>
-          </a:p>
-          <a:p>
-            <a:r>
-              <a:rPr lang="en-US" sz="2800" dirty="0" smtClean="0"/>
-              <a:t>BPMN 2.0 is gaining a lot of mindshare</a:t>
-            </a:r>
-          </a:p>
-          <a:p>
-            <a:r>
-              <a:rPr lang="en-US" sz="2800" dirty="0" smtClean="0"/>
-              <a:t>Other approaches like Amazon SWF may also appear</a:t>
-            </a:r>
-            <a:endParaRPr lang="en-US" sz="2800" dirty="0"/>
+              <a:rPr lang="en-US" dirty="0" smtClean="0"/>
+              <a:t>Unlike BPEL there is no direct way of capturing </a:t>
+            </a:r>
           </a:p>
         </p:txBody>
       </p:sp>
     </p:spTree>
     <p:extLst>
       <p:ext uri="{BB962C8B-B14F-4D97-AF65-F5344CB8AC3E}">
-        <p14:creationId xmlns:p14="http://schemas.microsoft.com/office/powerpoint/2010/main" val="760608713"/>
+        <p14:creationId xmlns:p14="http://schemas.microsoft.com/office/powerpoint/2010/main" val="2695221455"/>
+      </p:ext>
+    </p:extLst>
+  </p:cSld>
+  <p:clrMapOvr>
+    <a:masterClrMapping/>
+  </p:clrMapOvr>
+</p:sld>
+</file>
+
+<file path=ppt/slides/slide29.xml><?xml version="1.0" encoding="utf-8"?>
+<p:sld xmlns:a="http://schemas.openxmlformats.org/drawingml/2006/main" xmlns:r="http://schemas.openxmlformats.org/officeDocument/2006/relationships" xmlns:p="http://schemas.openxmlformats.org/presentationml/2006/main">
+  <p:cSld>
+    <p:spTree>
+      <p:nvGrpSpPr>
+        <p:cNvPr id="1" name=""/>
+        <p:cNvGrpSpPr/>
+        <p:nvPr/>
+      </p:nvGrpSpPr>
+      <p:grpSpPr>
+        <a:xfrm>
+          <a:off x="0" y="0"/>
+          <a:ext cx="0" cy="0"/>
+          <a:chOff x="0" y="0"/>
+          <a:chExt cx="0" cy="0"/>
+        </a:xfrm>
+      </p:grpSpPr>
+      <p:sp>
+        <p:nvSpPr>
+          <p:cNvPr id="2" name="Title 1"/>
+          <p:cNvSpPr>
+            <a:spLocks noGrp="1"/>
+          </p:cNvSpPr>
+          <p:nvPr>
+            <p:ph type="title"/>
+          </p:nvPr>
+        </p:nvSpPr>
+        <p:spPr/>
+        <p:txBody>
+          <a:bodyPr>
+            <a:normAutofit fontScale="90000"/>
+          </a:bodyPr>
+          <a:lstStyle/>
+          <a:p>
+            <a:r>
+              <a:rPr lang="en-US" dirty="0" err="1" smtClean="0"/>
+              <a:t>Swimlanes</a:t>
+            </a:r>
+            <a:r>
+              <a:rPr lang="en-US" dirty="0" smtClean="0"/>
+              <a:t>:</a:t>
+            </a:r>
+            <a:br>
+              <a:rPr lang="en-US" dirty="0" smtClean="0"/>
+            </a:br>
+            <a:r>
+              <a:rPr lang="en-US" sz="2200" dirty="0"/>
+              <a:t>partition an activity diagram into the responsibilities of different entities </a:t>
+            </a:r>
+            <a:br>
+              <a:rPr lang="en-US" sz="2200" dirty="0"/>
+            </a:br>
+            <a:endParaRPr lang="en-US" dirty="0"/>
+          </a:p>
+        </p:txBody>
+      </p:sp>
+      <p:pic>
+        <p:nvPicPr>
+          <p:cNvPr id="4" name="Picture 3"/>
+          <p:cNvPicPr>
+            <a:picLocks noChangeAspect="1"/>
+          </p:cNvPicPr>
+          <p:nvPr/>
+        </p:nvPicPr>
+        <p:blipFill>
+          <a:blip r:embed="rId2"/>
+          <a:stretch>
+            <a:fillRect/>
+          </a:stretch>
+        </p:blipFill>
+        <p:spPr>
+          <a:xfrm>
+            <a:off x="806307" y="1417638"/>
+            <a:ext cx="6672174" cy="4491994"/>
+          </a:xfrm>
+          <a:prstGeom prst="rect">
+            <a:avLst/>
+          </a:prstGeom>
+        </p:spPr>
+      </p:pic>
+    </p:spTree>
+    <p:extLst>
+      <p:ext uri="{BB962C8B-B14F-4D97-AF65-F5344CB8AC3E}">
+        <p14:creationId xmlns:p14="http://schemas.microsoft.com/office/powerpoint/2010/main" val="1460905087"/>
       </p:ext>
     </p:extLst>
   </p:cSld>
@@ -6484,6 +6624,1286 @@
 </p:sld>
 </file>
 
+<file path=ppt/slides/slide30.xml><?xml version="1.0" encoding="utf-8"?>
+<p:sld xmlns:a="http://schemas.openxmlformats.org/drawingml/2006/main" xmlns:r="http://schemas.openxmlformats.org/officeDocument/2006/relationships" xmlns:p="http://schemas.openxmlformats.org/presentationml/2006/main">
+  <p:cSld>
+    <p:spTree>
+      <p:nvGrpSpPr>
+        <p:cNvPr id="1" name=""/>
+        <p:cNvGrpSpPr/>
+        <p:nvPr/>
+      </p:nvGrpSpPr>
+      <p:grpSpPr>
+        <a:xfrm>
+          <a:off x="0" y="0"/>
+          <a:ext cx="0" cy="0"/>
+          <a:chOff x="0" y="0"/>
+          <a:chExt cx="0" cy="0"/>
+        </a:xfrm>
+      </p:grpSpPr>
+      <p:sp>
+        <p:nvSpPr>
+          <p:cNvPr id="2" name="Title 1"/>
+          <p:cNvSpPr>
+            <a:spLocks noGrp="1"/>
+          </p:cNvSpPr>
+          <p:nvPr>
+            <p:ph type="title"/>
+          </p:nvPr>
+        </p:nvSpPr>
+        <p:spPr/>
+        <p:txBody>
+          <a:bodyPr>
+            <a:normAutofit fontScale="90000"/>
+          </a:bodyPr>
+          <a:lstStyle/>
+          <a:p>
+            <a:r>
+              <a:rPr lang="en-US" dirty="0" err="1" smtClean="0"/>
+              <a:t>Swimlanes</a:t>
+            </a:r>
+            <a:r>
+              <a:rPr lang="en-US" dirty="0" smtClean="0"/>
+              <a:t> represent different participants</a:t>
+            </a:r>
+            <a:endParaRPr lang="en-US" dirty="0"/>
+          </a:p>
+        </p:txBody>
+      </p:sp>
+      <p:pic>
+        <p:nvPicPr>
+          <p:cNvPr id="4" name="Picture 3"/>
+          <p:cNvPicPr>
+            <a:picLocks noChangeAspect="1"/>
+          </p:cNvPicPr>
+          <p:nvPr/>
+        </p:nvPicPr>
+        <p:blipFill>
+          <a:blip r:embed="rId2"/>
+          <a:stretch>
+            <a:fillRect/>
+          </a:stretch>
+        </p:blipFill>
+        <p:spPr>
+          <a:xfrm>
+            <a:off x="63500" y="1560255"/>
+            <a:ext cx="7127875" cy="5297745"/>
+          </a:xfrm>
+          <a:prstGeom prst="rect">
+            <a:avLst/>
+          </a:prstGeom>
+        </p:spPr>
+      </p:pic>
+    </p:spTree>
+    <p:extLst>
+      <p:ext uri="{BB962C8B-B14F-4D97-AF65-F5344CB8AC3E}">
+        <p14:creationId xmlns:p14="http://schemas.microsoft.com/office/powerpoint/2010/main" val="2191312060"/>
+      </p:ext>
+    </p:extLst>
+  </p:cSld>
+  <p:clrMapOvr>
+    <a:masterClrMapping/>
+  </p:clrMapOvr>
+</p:sld>
+</file>
+
+<file path=ppt/slides/slide31.xml><?xml version="1.0" encoding="utf-8"?>
+<p:sld xmlns:a="http://schemas.openxmlformats.org/drawingml/2006/main" xmlns:r="http://schemas.openxmlformats.org/officeDocument/2006/relationships" xmlns:p="http://schemas.openxmlformats.org/presentationml/2006/main">
+  <p:cSld>
+    <p:spTree>
+      <p:nvGrpSpPr>
+        <p:cNvPr id="1" name=""/>
+        <p:cNvGrpSpPr/>
+        <p:nvPr/>
+      </p:nvGrpSpPr>
+      <p:grpSpPr>
+        <a:xfrm>
+          <a:off x="0" y="0"/>
+          <a:ext cx="0" cy="0"/>
+          <a:chOff x="0" y="0"/>
+          <a:chExt cx="0" cy="0"/>
+        </a:xfrm>
+      </p:grpSpPr>
+      <p:sp>
+        <p:nvSpPr>
+          <p:cNvPr id="2" name="Title 1"/>
+          <p:cNvSpPr>
+            <a:spLocks noGrp="1"/>
+          </p:cNvSpPr>
+          <p:nvPr>
+            <p:ph type="title"/>
+          </p:nvPr>
+        </p:nvSpPr>
+        <p:spPr/>
+        <p:txBody>
+          <a:bodyPr/>
+          <a:lstStyle/>
+          <a:p>
+            <a:endParaRPr lang="en-US" dirty="0"/>
+          </a:p>
+        </p:txBody>
+      </p:sp>
+      <p:sp>
+        <p:nvSpPr>
+          <p:cNvPr id="3" name="Content Placeholder 2"/>
+          <p:cNvSpPr>
+            <a:spLocks noGrp="1"/>
+          </p:cNvSpPr>
+          <p:nvPr>
+            <p:ph idx="1"/>
+          </p:nvPr>
+        </p:nvSpPr>
+        <p:spPr/>
+        <p:txBody>
+          <a:bodyPr/>
+          <a:lstStyle/>
+          <a:p>
+            <a:endParaRPr lang="en-US"/>
+          </a:p>
+        </p:txBody>
+      </p:sp>
+    </p:spTree>
+    <p:extLst>
+      <p:ext uri="{BB962C8B-B14F-4D97-AF65-F5344CB8AC3E}">
+        <p14:creationId xmlns:p14="http://schemas.microsoft.com/office/powerpoint/2010/main" val="2324129605"/>
+      </p:ext>
+    </p:extLst>
+  </p:cSld>
+  <p:clrMapOvr>
+    <a:masterClrMapping/>
+  </p:clrMapOvr>
+</p:sld>
+</file>
+
+<file path=ppt/slides/slide32.xml><?xml version="1.0" encoding="utf-8"?>
+<p:sld xmlns:a="http://schemas.openxmlformats.org/drawingml/2006/main" xmlns:r="http://schemas.openxmlformats.org/officeDocument/2006/relationships" xmlns:p="http://schemas.openxmlformats.org/presentationml/2006/main">
+  <p:cSld>
+    <p:spTree>
+      <p:nvGrpSpPr>
+        <p:cNvPr id="1" name=""/>
+        <p:cNvGrpSpPr/>
+        <p:nvPr/>
+      </p:nvGrpSpPr>
+      <p:grpSpPr>
+        <a:xfrm>
+          <a:off x="0" y="0"/>
+          <a:ext cx="0" cy="0"/>
+          <a:chOff x="0" y="0"/>
+          <a:chExt cx="0" cy="0"/>
+        </a:xfrm>
+      </p:grpSpPr>
+      <p:sp>
+        <p:nvSpPr>
+          <p:cNvPr id="2" name="Title 1"/>
+          <p:cNvSpPr>
+            <a:spLocks noGrp="1"/>
+          </p:cNvSpPr>
+          <p:nvPr>
+            <p:ph type="title"/>
+          </p:nvPr>
+        </p:nvSpPr>
+        <p:spPr/>
+        <p:txBody>
+          <a:bodyPr/>
+          <a:lstStyle/>
+          <a:p>
+            <a:r>
+              <a:rPr lang="en-US" dirty="0" smtClean="0"/>
+              <a:t>Data Flow</a:t>
+            </a:r>
+            <a:endParaRPr lang="en-US" dirty="0"/>
+          </a:p>
+        </p:txBody>
+      </p:sp>
+      <p:sp>
+        <p:nvSpPr>
+          <p:cNvPr id="3" name="Content Placeholder 2"/>
+          <p:cNvSpPr>
+            <a:spLocks noGrp="1"/>
+          </p:cNvSpPr>
+          <p:nvPr>
+            <p:ph idx="1"/>
+          </p:nvPr>
+        </p:nvSpPr>
+        <p:spPr/>
+        <p:txBody>
+          <a:bodyPr>
+            <a:normAutofit fontScale="70000" lnSpcReduction="20000"/>
+          </a:bodyPr>
+          <a:lstStyle/>
+          <a:p>
+            <a:r>
+              <a:rPr lang="en-US" dirty="0"/>
+              <a:t>T</a:t>
+            </a:r>
+            <a:r>
+              <a:rPr lang="en-US" dirty="0" smtClean="0"/>
+              <a:t>ransitions </a:t>
+            </a:r>
+            <a:r>
+              <a:rPr lang="en-US" dirty="0"/>
+              <a:t>between activities represent </a:t>
+            </a:r>
+            <a:r>
+              <a:rPr lang="en-US" i="1" dirty="0"/>
+              <a:t>control dependencies</a:t>
+            </a:r>
+            <a:r>
+              <a:rPr lang="en-US" dirty="0"/>
+              <a:t>: one activity must complete before another can start </a:t>
+            </a:r>
+          </a:p>
+          <a:p>
+            <a:r>
+              <a:rPr lang="en-US" dirty="0"/>
+              <a:t>W</a:t>
+            </a:r>
+            <a:r>
+              <a:rPr lang="en-US" dirty="0" smtClean="0"/>
+              <a:t>orkflows </a:t>
+            </a:r>
+            <a:r>
+              <a:rPr lang="en-US" dirty="0"/>
+              <a:t>also have </a:t>
+            </a:r>
+            <a:r>
+              <a:rPr lang="en-US" i="1" dirty="0"/>
+              <a:t>data dependencies</a:t>
+            </a:r>
+            <a:r>
+              <a:rPr lang="en-US" dirty="0"/>
+              <a:t>: one activity produces a result that another requires </a:t>
+            </a:r>
+          </a:p>
+          <a:p>
+            <a:r>
+              <a:rPr lang="en-US" dirty="0"/>
+              <a:t>UML activity diagrams allow </a:t>
+            </a:r>
+            <a:r>
+              <a:rPr lang="en-US" i="1" dirty="0"/>
+              <a:t>object flow </a:t>
+            </a:r>
+            <a:r>
+              <a:rPr lang="en-US" dirty="0"/>
+              <a:t>as well as </a:t>
+            </a:r>
+            <a:r>
+              <a:rPr lang="en-US" i="1" dirty="0"/>
+              <a:t>control flow </a:t>
+            </a:r>
+            <a:endParaRPr lang="en-US" dirty="0"/>
+          </a:p>
+          <a:p>
+            <a:r>
+              <a:rPr lang="en-US" dirty="0"/>
+              <a:t>D</a:t>
+            </a:r>
+            <a:r>
+              <a:rPr lang="en-US" dirty="0" smtClean="0"/>
+              <a:t>ependent </a:t>
+            </a:r>
+            <a:r>
+              <a:rPr lang="en-US" dirty="0"/>
+              <a:t>data is shown as an object icon (rectangle with underlined </a:t>
+            </a:r>
+            <a:r>
+              <a:rPr lang="en-US" dirty="0" smtClean="0"/>
+              <a:t>name </a:t>
+            </a:r>
+            <a:r>
+              <a:rPr lang="en-US" dirty="0"/>
+              <a:t>and type) </a:t>
+            </a:r>
+            <a:endParaRPr lang="en-US" dirty="0" smtClean="0"/>
+          </a:p>
+          <a:p>
+            <a:pPr lvl="1"/>
+            <a:r>
+              <a:rPr lang="en-US" i="1" dirty="0" smtClean="0"/>
+              <a:t>dependencies </a:t>
+            </a:r>
+            <a:r>
+              <a:rPr lang="en-US" dirty="0"/>
+              <a:t>shown as dashed arrows from generating activity to object, and from object to consuming activity(s) </a:t>
+            </a:r>
+            <a:endParaRPr lang="en-US" dirty="0" smtClean="0"/>
+          </a:p>
+          <a:p>
+            <a:pPr lvl="1"/>
+            <a:r>
+              <a:rPr lang="en-US" dirty="0" smtClean="0"/>
+              <a:t>same </a:t>
+            </a:r>
+            <a:r>
+              <a:rPr lang="en-US" dirty="0"/>
+              <a:t>object may occur multiple times in an activity diagram, typically in different </a:t>
+            </a:r>
+            <a:r>
+              <a:rPr lang="en-US" i="1" dirty="0"/>
+              <a:t>states </a:t>
+            </a:r>
+            <a:r>
+              <a:rPr lang="en-US" dirty="0"/>
+              <a:t>(shown in square brackets after object name) </a:t>
+            </a:r>
+          </a:p>
+          <a:p>
+            <a:endParaRPr lang="en-US" dirty="0"/>
+          </a:p>
+        </p:txBody>
+      </p:sp>
+    </p:spTree>
+    <p:extLst>
+      <p:ext uri="{BB962C8B-B14F-4D97-AF65-F5344CB8AC3E}">
+        <p14:creationId xmlns:p14="http://schemas.microsoft.com/office/powerpoint/2010/main" val="401899473"/>
+      </p:ext>
+    </p:extLst>
+  </p:cSld>
+  <p:clrMapOvr>
+    <a:masterClrMapping/>
+  </p:clrMapOvr>
+</p:sld>
+</file>
+
+<file path=ppt/slides/slide33.xml><?xml version="1.0" encoding="utf-8"?>
+<p:sld xmlns:a="http://schemas.openxmlformats.org/drawingml/2006/main" xmlns:r="http://schemas.openxmlformats.org/officeDocument/2006/relationships" xmlns:p="http://schemas.openxmlformats.org/presentationml/2006/main">
+  <p:cSld>
+    <p:spTree>
+      <p:nvGrpSpPr>
+        <p:cNvPr id="1" name=""/>
+        <p:cNvGrpSpPr/>
+        <p:nvPr/>
+      </p:nvGrpSpPr>
+      <p:grpSpPr>
+        <a:xfrm>
+          <a:off x="0" y="0"/>
+          <a:ext cx="0" cy="0"/>
+          <a:chOff x="0" y="0"/>
+          <a:chExt cx="0" cy="0"/>
+        </a:xfrm>
+      </p:grpSpPr>
+      <p:sp>
+        <p:nvSpPr>
+          <p:cNvPr id="2" name="Title 1"/>
+          <p:cNvSpPr>
+            <a:spLocks noGrp="1"/>
+          </p:cNvSpPr>
+          <p:nvPr>
+            <p:ph type="title"/>
+          </p:nvPr>
+        </p:nvSpPr>
+        <p:spPr/>
+        <p:txBody>
+          <a:bodyPr/>
+          <a:lstStyle/>
+          <a:p>
+            <a:r>
+              <a:rPr lang="en-US" dirty="0" smtClean="0"/>
+              <a:t>Example Object Flow</a:t>
+            </a:r>
+            <a:endParaRPr lang="en-US" dirty="0"/>
+          </a:p>
+        </p:txBody>
+      </p:sp>
+      <p:pic>
+        <p:nvPicPr>
+          <p:cNvPr id="4" name="Picture 3"/>
+          <p:cNvPicPr>
+            <a:picLocks noChangeAspect="1"/>
+          </p:cNvPicPr>
+          <p:nvPr/>
+        </p:nvPicPr>
+        <p:blipFill>
+          <a:blip r:embed="rId2"/>
+          <a:stretch>
+            <a:fillRect/>
+          </a:stretch>
+        </p:blipFill>
+        <p:spPr>
+          <a:xfrm>
+            <a:off x="1092200" y="1181101"/>
+            <a:ext cx="7257268" cy="4927600"/>
+          </a:xfrm>
+          <a:prstGeom prst="rect">
+            <a:avLst/>
+          </a:prstGeom>
+        </p:spPr>
+      </p:pic>
+    </p:spTree>
+    <p:extLst>
+      <p:ext uri="{BB962C8B-B14F-4D97-AF65-F5344CB8AC3E}">
+        <p14:creationId xmlns:p14="http://schemas.microsoft.com/office/powerpoint/2010/main" val="1791712928"/>
+      </p:ext>
+    </p:extLst>
+  </p:cSld>
+  <p:clrMapOvr>
+    <a:masterClrMapping/>
+  </p:clrMapOvr>
+</p:sld>
+</file>
+
+<file path=ppt/slides/slide34.xml><?xml version="1.0" encoding="utf-8"?>
+<p:sld xmlns:a="http://schemas.openxmlformats.org/drawingml/2006/main" xmlns:r="http://schemas.openxmlformats.org/officeDocument/2006/relationships" xmlns:p="http://schemas.openxmlformats.org/presentationml/2006/main">
+  <p:cSld>
+    <p:spTree>
+      <p:nvGrpSpPr>
+        <p:cNvPr id="1" name=""/>
+        <p:cNvGrpSpPr/>
+        <p:nvPr/>
+      </p:nvGrpSpPr>
+      <p:grpSpPr>
+        <a:xfrm>
+          <a:off x="0" y="0"/>
+          <a:ext cx="0" cy="0"/>
+          <a:chOff x="0" y="0"/>
+          <a:chExt cx="0" cy="0"/>
+        </a:xfrm>
+      </p:grpSpPr>
+      <p:sp>
+        <p:nvSpPr>
+          <p:cNvPr id="2" name="Title 1"/>
+          <p:cNvSpPr>
+            <a:spLocks noGrp="1"/>
+          </p:cNvSpPr>
+          <p:nvPr>
+            <p:ph type="title"/>
+          </p:nvPr>
+        </p:nvSpPr>
+        <p:spPr/>
+        <p:txBody>
+          <a:bodyPr/>
+          <a:lstStyle/>
+          <a:p>
+            <a:r>
+              <a:rPr lang="en-US" dirty="0" smtClean="0"/>
+              <a:t>Flows</a:t>
+            </a:r>
+            <a:endParaRPr lang="en-US" dirty="0"/>
+          </a:p>
+        </p:txBody>
+      </p:sp>
+      <p:pic>
+        <p:nvPicPr>
+          <p:cNvPr id="4" name="Picture 3"/>
+          <p:cNvPicPr>
+            <a:picLocks noChangeAspect="1"/>
+          </p:cNvPicPr>
+          <p:nvPr/>
+        </p:nvPicPr>
+        <p:blipFill>
+          <a:blip r:embed="rId2"/>
+          <a:stretch>
+            <a:fillRect/>
+          </a:stretch>
+        </p:blipFill>
+        <p:spPr>
+          <a:xfrm>
+            <a:off x="232526" y="1651000"/>
+            <a:ext cx="5418974" cy="4027616"/>
+          </a:xfrm>
+          <a:prstGeom prst="rect">
+            <a:avLst/>
+          </a:prstGeom>
+        </p:spPr>
+      </p:pic>
+      <p:sp>
+        <p:nvSpPr>
+          <p:cNvPr id="6" name="TextBox 5"/>
+          <p:cNvSpPr txBox="1"/>
+          <p:nvPr/>
+        </p:nvSpPr>
+        <p:spPr>
+          <a:xfrm>
+            <a:off x="3730625" y="1916668"/>
+            <a:ext cx="1096724" cy="369332"/>
+          </a:xfrm>
+          <a:prstGeom prst="rect">
+            <a:avLst/>
+          </a:prstGeom>
+          <a:noFill/>
+        </p:spPr>
+        <p:txBody>
+          <a:bodyPr wrap="none" rtlCol="0">
+            <a:spAutoFit/>
+          </a:bodyPr>
+          <a:lstStyle/>
+          <a:p>
+            <a:r>
+              <a:rPr lang="en-US" dirty="0" smtClean="0">
+                <a:solidFill>
+                  <a:srgbClr val="FF0000"/>
+                </a:solidFill>
+              </a:rPr>
+              <a:t>Sequence </a:t>
+            </a:r>
+            <a:endParaRPr lang="en-US" dirty="0">
+              <a:solidFill>
+                <a:srgbClr val="FF0000"/>
+              </a:solidFill>
+            </a:endParaRPr>
+          </a:p>
+        </p:txBody>
+      </p:sp>
+      <p:sp>
+        <p:nvSpPr>
+          <p:cNvPr id="7" name="TextBox 6"/>
+          <p:cNvSpPr txBox="1"/>
+          <p:nvPr/>
+        </p:nvSpPr>
+        <p:spPr>
+          <a:xfrm>
+            <a:off x="3730625" y="2672318"/>
+            <a:ext cx="1011515" cy="369332"/>
+          </a:xfrm>
+          <a:prstGeom prst="rect">
+            <a:avLst/>
+          </a:prstGeom>
+          <a:noFill/>
+        </p:spPr>
+        <p:txBody>
+          <a:bodyPr wrap="none" rtlCol="0">
+            <a:spAutoFit/>
+          </a:bodyPr>
+          <a:lstStyle/>
+          <a:p>
+            <a:r>
+              <a:rPr lang="en-US" dirty="0" smtClean="0">
+                <a:solidFill>
+                  <a:srgbClr val="FF0000"/>
+                </a:solidFill>
+              </a:rPr>
+              <a:t>Message</a:t>
+            </a:r>
+            <a:endParaRPr lang="en-US" dirty="0">
+              <a:solidFill>
+                <a:srgbClr val="FF0000"/>
+              </a:solidFill>
+            </a:endParaRPr>
+          </a:p>
+        </p:txBody>
+      </p:sp>
+      <p:sp>
+        <p:nvSpPr>
+          <p:cNvPr id="8" name="TextBox 7"/>
+          <p:cNvSpPr txBox="1"/>
+          <p:nvPr/>
+        </p:nvSpPr>
+        <p:spPr>
+          <a:xfrm>
+            <a:off x="5651500" y="2672318"/>
+            <a:ext cx="2811963" cy="1754327"/>
+          </a:xfrm>
+          <a:prstGeom prst="rect">
+            <a:avLst/>
+          </a:prstGeom>
+          <a:noFill/>
+        </p:spPr>
+        <p:txBody>
+          <a:bodyPr wrap="none" rtlCol="0">
+            <a:spAutoFit/>
+          </a:bodyPr>
+          <a:lstStyle/>
+          <a:p>
+            <a:r>
+              <a:rPr lang="en-US" dirty="0" smtClean="0"/>
+              <a:t>Sequence flows are within a </a:t>
+            </a:r>
+          </a:p>
+          <a:p>
+            <a:r>
+              <a:rPr lang="en-US" dirty="0" err="1" smtClean="0"/>
+              <a:t>Swimlane</a:t>
+            </a:r>
+            <a:endParaRPr lang="en-US" dirty="0" smtClean="0"/>
+          </a:p>
+          <a:p>
+            <a:endParaRPr lang="en-US" dirty="0"/>
+          </a:p>
+          <a:p>
+            <a:r>
+              <a:rPr lang="en-US" dirty="0" smtClean="0"/>
+              <a:t>Message flows between </a:t>
+            </a:r>
+          </a:p>
+          <a:p>
+            <a:r>
+              <a:rPr lang="en-US" dirty="0" err="1" smtClean="0"/>
+              <a:t>swimlanes</a:t>
+            </a:r>
+            <a:endParaRPr lang="en-US" dirty="0" smtClean="0"/>
+          </a:p>
+          <a:p>
+            <a:endParaRPr lang="en-US" dirty="0"/>
+          </a:p>
+        </p:txBody>
+      </p:sp>
+    </p:spTree>
+    <p:extLst>
+      <p:ext uri="{BB962C8B-B14F-4D97-AF65-F5344CB8AC3E}">
+        <p14:creationId xmlns:p14="http://schemas.microsoft.com/office/powerpoint/2010/main" val="3828208256"/>
+      </p:ext>
+    </p:extLst>
+  </p:cSld>
+  <p:clrMapOvr>
+    <a:masterClrMapping/>
+  </p:clrMapOvr>
+</p:sld>
+</file>
+
+<file path=ppt/slides/slide35.xml><?xml version="1.0" encoding="utf-8"?>
+<p:sld xmlns:a="http://schemas.openxmlformats.org/drawingml/2006/main" xmlns:r="http://schemas.openxmlformats.org/officeDocument/2006/relationships" xmlns:p="http://schemas.openxmlformats.org/presentationml/2006/main">
+  <p:cSld>
+    <p:spTree>
+      <p:nvGrpSpPr>
+        <p:cNvPr id="1" name=""/>
+        <p:cNvGrpSpPr/>
+        <p:nvPr/>
+      </p:nvGrpSpPr>
+      <p:grpSpPr>
+        <a:xfrm>
+          <a:off x="0" y="0"/>
+          <a:ext cx="0" cy="0"/>
+          <a:chOff x="0" y="0"/>
+          <a:chExt cx="0" cy="0"/>
+        </a:xfrm>
+      </p:grpSpPr>
+      <p:sp>
+        <p:nvSpPr>
+          <p:cNvPr id="2" name="Title 1"/>
+          <p:cNvSpPr>
+            <a:spLocks noGrp="1"/>
+          </p:cNvSpPr>
+          <p:nvPr>
+            <p:ph type="title"/>
+          </p:nvPr>
+        </p:nvSpPr>
+        <p:spPr/>
+        <p:txBody>
+          <a:bodyPr/>
+          <a:lstStyle/>
+          <a:p>
+            <a:r>
+              <a:rPr lang="en-US" dirty="0" smtClean="0"/>
+              <a:t>Gateways</a:t>
+            </a:r>
+            <a:endParaRPr lang="en-US" dirty="0"/>
+          </a:p>
+        </p:txBody>
+      </p:sp>
+      <p:sp>
+        <p:nvSpPr>
+          <p:cNvPr id="6" name="Content Placeholder 5"/>
+          <p:cNvSpPr>
+            <a:spLocks noGrp="1"/>
+          </p:cNvSpPr>
+          <p:nvPr>
+            <p:ph idx="1"/>
+          </p:nvPr>
+        </p:nvSpPr>
+        <p:spPr/>
+        <p:txBody>
+          <a:bodyPr/>
+          <a:lstStyle/>
+          <a:p>
+            <a:r>
+              <a:rPr lang="en-US" dirty="0" smtClean="0"/>
+              <a:t>Exclusive Gateway</a:t>
+            </a:r>
+          </a:p>
+          <a:p>
+            <a:pPr lvl="1"/>
+            <a:r>
+              <a:rPr lang="en-US" dirty="0" smtClean="0"/>
+              <a:t>Fork – choose one path (if/else)</a:t>
+            </a:r>
+          </a:p>
+          <a:p>
+            <a:pPr lvl="1"/>
+            <a:r>
+              <a:rPr lang="en-US" dirty="0" smtClean="0"/>
+              <a:t>Join – wait for a single event</a:t>
+            </a:r>
+          </a:p>
+          <a:p>
+            <a:r>
+              <a:rPr lang="en-US" dirty="0" smtClean="0"/>
+              <a:t>Parallel Gateway</a:t>
+            </a:r>
+          </a:p>
+          <a:p>
+            <a:pPr lvl="1"/>
+            <a:r>
+              <a:rPr lang="en-US" dirty="0" smtClean="0"/>
+              <a:t>Fork – do both / all paths</a:t>
+            </a:r>
+          </a:p>
+          <a:p>
+            <a:pPr lvl="1"/>
+            <a:r>
+              <a:rPr lang="en-US" dirty="0" smtClean="0"/>
+              <a:t>Join – wait for all inputs </a:t>
+            </a:r>
+            <a:endParaRPr lang="en-US" dirty="0"/>
+          </a:p>
+        </p:txBody>
+      </p:sp>
+      <p:pic>
+        <p:nvPicPr>
+          <p:cNvPr id="5" name="Picture 4"/>
+          <p:cNvPicPr>
+            <a:picLocks noChangeAspect="1"/>
+          </p:cNvPicPr>
+          <p:nvPr/>
+        </p:nvPicPr>
+        <p:blipFill>
+          <a:blip r:embed="rId2"/>
+          <a:stretch>
+            <a:fillRect/>
+          </a:stretch>
+        </p:blipFill>
+        <p:spPr>
+          <a:xfrm>
+            <a:off x="6095011" y="1417638"/>
+            <a:ext cx="1117600" cy="1003300"/>
+          </a:xfrm>
+          <a:prstGeom prst="rect">
+            <a:avLst/>
+          </a:prstGeom>
+        </p:spPr>
+      </p:pic>
+      <p:pic>
+        <p:nvPicPr>
+          <p:cNvPr id="7" name="Picture 6"/>
+          <p:cNvPicPr>
+            <a:picLocks noChangeAspect="1"/>
+          </p:cNvPicPr>
+          <p:nvPr/>
+        </p:nvPicPr>
+        <p:blipFill>
+          <a:blip r:embed="rId3"/>
+          <a:stretch>
+            <a:fillRect/>
+          </a:stretch>
+        </p:blipFill>
+        <p:spPr>
+          <a:xfrm>
+            <a:off x="6095011" y="3135511"/>
+            <a:ext cx="977900" cy="825500"/>
+          </a:xfrm>
+          <a:prstGeom prst="rect">
+            <a:avLst/>
+          </a:prstGeom>
+        </p:spPr>
+      </p:pic>
+    </p:spTree>
+    <p:extLst>
+      <p:ext uri="{BB962C8B-B14F-4D97-AF65-F5344CB8AC3E}">
+        <p14:creationId xmlns:p14="http://schemas.microsoft.com/office/powerpoint/2010/main" val="3915248992"/>
+      </p:ext>
+    </p:extLst>
+  </p:cSld>
+  <p:clrMapOvr>
+    <a:masterClrMapping/>
+  </p:clrMapOvr>
+</p:sld>
+</file>
+
+<file path=ppt/slides/slide36.xml><?xml version="1.0" encoding="utf-8"?>
+<p:sld xmlns:a="http://schemas.openxmlformats.org/drawingml/2006/main" xmlns:r="http://schemas.openxmlformats.org/officeDocument/2006/relationships" xmlns:p="http://schemas.openxmlformats.org/presentationml/2006/main">
+  <p:cSld>
+    <p:spTree>
+      <p:nvGrpSpPr>
+        <p:cNvPr id="1" name=""/>
+        <p:cNvGrpSpPr/>
+        <p:nvPr/>
+      </p:nvGrpSpPr>
+      <p:grpSpPr>
+        <a:xfrm>
+          <a:off x="0" y="0"/>
+          <a:ext cx="0" cy="0"/>
+          <a:chOff x="0" y="0"/>
+          <a:chExt cx="0" cy="0"/>
+        </a:xfrm>
+      </p:grpSpPr>
+      <p:sp>
+        <p:nvSpPr>
+          <p:cNvPr id="2" name="Title 1"/>
+          <p:cNvSpPr>
+            <a:spLocks noGrp="1"/>
+          </p:cNvSpPr>
+          <p:nvPr>
+            <p:ph type="title"/>
+          </p:nvPr>
+        </p:nvSpPr>
+        <p:spPr/>
+        <p:txBody>
+          <a:bodyPr>
+            <a:normAutofit/>
+          </a:bodyPr>
+          <a:lstStyle/>
+          <a:p>
+            <a:r>
+              <a:rPr lang="en-US" dirty="0" smtClean="0"/>
+              <a:t>Event Gateway</a:t>
+            </a:r>
+            <a:endParaRPr lang="en-US" dirty="0"/>
+          </a:p>
+        </p:txBody>
+      </p:sp>
+      <p:pic>
+        <p:nvPicPr>
+          <p:cNvPr id="4" name="Picture 3"/>
+          <p:cNvPicPr>
+            <a:picLocks noChangeAspect="1"/>
+          </p:cNvPicPr>
+          <p:nvPr/>
+        </p:nvPicPr>
+        <p:blipFill>
+          <a:blip r:embed="rId2"/>
+          <a:stretch>
+            <a:fillRect/>
+          </a:stretch>
+        </p:blipFill>
+        <p:spPr>
+          <a:xfrm>
+            <a:off x="0" y="1571295"/>
+            <a:ext cx="9144000" cy="3054424"/>
+          </a:xfrm>
+          <a:prstGeom prst="rect">
+            <a:avLst/>
+          </a:prstGeom>
+        </p:spPr>
+      </p:pic>
+      <p:sp>
+        <p:nvSpPr>
+          <p:cNvPr id="6" name="TextBox 5"/>
+          <p:cNvSpPr txBox="1"/>
+          <p:nvPr/>
+        </p:nvSpPr>
+        <p:spPr>
+          <a:xfrm>
+            <a:off x="823344" y="4842993"/>
+            <a:ext cx="3363150" cy="923330"/>
+          </a:xfrm>
+          <a:prstGeom prst="rect">
+            <a:avLst/>
+          </a:prstGeom>
+          <a:noFill/>
+        </p:spPr>
+        <p:txBody>
+          <a:bodyPr wrap="square" rtlCol="0">
+            <a:spAutoFit/>
+          </a:bodyPr>
+          <a:lstStyle/>
+          <a:p>
+            <a:r>
+              <a:rPr lang="en-US" i="1" dirty="0" smtClean="0"/>
+              <a:t>An Event Gateway allows different events to trigger different actions </a:t>
+            </a:r>
+            <a:endParaRPr lang="en-US" i="1" dirty="0"/>
+          </a:p>
+        </p:txBody>
+      </p:sp>
+    </p:spTree>
+    <p:extLst>
+      <p:ext uri="{BB962C8B-B14F-4D97-AF65-F5344CB8AC3E}">
+        <p14:creationId xmlns:p14="http://schemas.microsoft.com/office/powerpoint/2010/main" val="4138493189"/>
+      </p:ext>
+    </p:extLst>
+  </p:cSld>
+  <p:clrMapOvr>
+    <a:masterClrMapping/>
+  </p:clrMapOvr>
+</p:sld>
+</file>
+
+<file path=ppt/slides/slide37.xml><?xml version="1.0" encoding="utf-8"?>
+<p:sld xmlns:a="http://schemas.openxmlformats.org/drawingml/2006/main" xmlns:r="http://schemas.openxmlformats.org/officeDocument/2006/relationships" xmlns:p="http://schemas.openxmlformats.org/presentationml/2006/main">
+  <p:cSld>
+    <p:spTree>
+      <p:nvGrpSpPr>
+        <p:cNvPr id="1" name=""/>
+        <p:cNvGrpSpPr/>
+        <p:nvPr/>
+      </p:nvGrpSpPr>
+      <p:grpSpPr>
+        <a:xfrm>
+          <a:off x="0" y="0"/>
+          <a:ext cx="0" cy="0"/>
+          <a:chOff x="0" y="0"/>
+          <a:chExt cx="0" cy="0"/>
+        </a:xfrm>
+      </p:grpSpPr>
+      <p:sp>
+        <p:nvSpPr>
+          <p:cNvPr id="2" name="Title 1"/>
+          <p:cNvSpPr>
+            <a:spLocks noGrp="1"/>
+          </p:cNvSpPr>
+          <p:nvPr>
+            <p:ph type="title"/>
+          </p:nvPr>
+        </p:nvSpPr>
+        <p:spPr/>
+        <p:txBody>
+          <a:bodyPr/>
+          <a:lstStyle/>
+          <a:p>
+            <a:r>
+              <a:rPr lang="en-US" dirty="0" smtClean="0"/>
+              <a:t>Complex Gateway</a:t>
+            </a:r>
+            <a:endParaRPr lang="en-US" dirty="0"/>
+          </a:p>
+        </p:txBody>
+      </p:sp>
+      <p:pic>
+        <p:nvPicPr>
+          <p:cNvPr id="4" name="Picture 3"/>
+          <p:cNvPicPr>
+            <a:picLocks noChangeAspect="1"/>
+          </p:cNvPicPr>
+          <p:nvPr/>
+        </p:nvPicPr>
+        <p:blipFill>
+          <a:blip r:embed="rId2"/>
+          <a:stretch>
+            <a:fillRect/>
+          </a:stretch>
+        </p:blipFill>
+        <p:spPr>
+          <a:xfrm>
+            <a:off x="0" y="1689100"/>
+            <a:ext cx="9144000" cy="3466103"/>
+          </a:xfrm>
+          <a:prstGeom prst="rect">
+            <a:avLst/>
+          </a:prstGeom>
+        </p:spPr>
+      </p:pic>
+    </p:spTree>
+    <p:extLst>
+      <p:ext uri="{BB962C8B-B14F-4D97-AF65-F5344CB8AC3E}">
+        <p14:creationId xmlns:p14="http://schemas.microsoft.com/office/powerpoint/2010/main" val="4268673101"/>
+      </p:ext>
+    </p:extLst>
+  </p:cSld>
+  <p:clrMapOvr>
+    <a:masterClrMapping/>
+  </p:clrMapOvr>
+</p:sld>
+</file>
+
+<file path=ppt/slides/slide38.xml><?xml version="1.0" encoding="utf-8"?>
+<p:sld xmlns:a="http://schemas.openxmlformats.org/drawingml/2006/main" xmlns:r="http://schemas.openxmlformats.org/officeDocument/2006/relationships" xmlns:p="http://schemas.openxmlformats.org/presentationml/2006/main">
+  <p:cSld>
+    <p:spTree>
+      <p:nvGrpSpPr>
+        <p:cNvPr id="1" name=""/>
+        <p:cNvGrpSpPr/>
+        <p:nvPr/>
+      </p:nvGrpSpPr>
+      <p:grpSpPr>
+        <a:xfrm>
+          <a:off x="0" y="0"/>
+          <a:ext cx="0" cy="0"/>
+          <a:chOff x="0" y="0"/>
+          <a:chExt cx="0" cy="0"/>
+        </a:xfrm>
+      </p:grpSpPr>
+      <p:sp>
+        <p:nvSpPr>
+          <p:cNvPr id="2" name="Title 1"/>
+          <p:cNvSpPr>
+            <a:spLocks noGrp="1"/>
+          </p:cNvSpPr>
+          <p:nvPr>
+            <p:ph type="title"/>
+          </p:nvPr>
+        </p:nvSpPr>
+        <p:spPr>
+          <a:xfrm>
+            <a:off x="457200" y="510330"/>
+            <a:ext cx="8229600" cy="1143000"/>
+          </a:xfrm>
+        </p:spPr>
+        <p:txBody>
+          <a:bodyPr>
+            <a:normAutofit fontScale="90000"/>
+          </a:bodyPr>
+          <a:lstStyle/>
+          <a:p>
+            <a:pPr algn="l"/>
+            <a:r>
+              <a:rPr lang="en-US" dirty="0" smtClean="0"/>
+              <a:t>How much </a:t>
+            </a:r>
+            <a:br>
+              <a:rPr lang="en-US" dirty="0" smtClean="0"/>
+            </a:br>
+            <a:r>
+              <a:rPr lang="en-US" dirty="0" smtClean="0"/>
+              <a:t>BPMN</a:t>
+            </a:r>
+            <a:br>
+              <a:rPr lang="en-US" dirty="0" smtClean="0"/>
+            </a:br>
+            <a:r>
+              <a:rPr lang="en-US" dirty="0" smtClean="0"/>
+              <a:t>do you need?</a:t>
+            </a:r>
+            <a:endParaRPr lang="en-US" dirty="0"/>
+          </a:p>
+        </p:txBody>
+      </p:sp>
+      <p:sp>
+        <p:nvSpPr>
+          <p:cNvPr id="4" name="Rectangle 3"/>
+          <p:cNvSpPr/>
+          <p:nvPr/>
+        </p:nvSpPr>
+        <p:spPr>
+          <a:xfrm>
+            <a:off x="457201" y="2967334"/>
+            <a:ext cx="11535330" cy="1169551"/>
+          </a:xfrm>
+          <a:prstGeom prst="rect">
+            <a:avLst/>
+          </a:prstGeom>
+        </p:spPr>
+        <p:txBody>
+          <a:bodyPr wrap="square">
+            <a:spAutoFit/>
+          </a:bodyPr>
+          <a:lstStyle/>
+          <a:p>
+            <a:r>
+              <a:rPr lang="en-US" sz="1400" dirty="0"/>
+              <a:t>How Much Language is Enough? </a:t>
+            </a:r>
+            <a:r>
+              <a:rPr lang="en-US" sz="1400" dirty="0" smtClean="0"/>
+              <a:t/>
+            </a:r>
+            <a:br>
+              <a:rPr lang="en-US" sz="1400" dirty="0" smtClean="0"/>
+            </a:br>
+            <a:r>
+              <a:rPr lang="en-US" sz="1400" dirty="0" smtClean="0"/>
+              <a:t>Theoretical </a:t>
+            </a:r>
+            <a:r>
+              <a:rPr lang="en-US" sz="1400" dirty="0"/>
+              <a:t>and Practical Use of the </a:t>
+            </a:r>
+            <a:r>
+              <a:rPr lang="en-US" sz="1400" dirty="0" smtClean="0"/>
+              <a:t/>
+            </a:r>
+            <a:br>
+              <a:rPr lang="en-US" sz="1400" dirty="0" smtClean="0"/>
+            </a:br>
+            <a:r>
+              <a:rPr lang="en-US" sz="1400" dirty="0" smtClean="0"/>
+              <a:t>Business </a:t>
+            </a:r>
+            <a:r>
+              <a:rPr lang="en-US" sz="1400" dirty="0"/>
+              <a:t>Process Management </a:t>
+            </a:r>
+            <a:r>
+              <a:rPr lang="en-US" sz="1400" dirty="0" smtClean="0"/>
+              <a:t>Notation</a:t>
+            </a:r>
+          </a:p>
+          <a:p>
+            <a:r>
+              <a:rPr lang="en-US" sz="1400" dirty="0">
+                <a:hlinkClick r:id="rId2"/>
+              </a:rPr>
+              <a:t>http://papers.ssrn.com/sol3</a:t>
+            </a:r>
+            <a:r>
+              <a:rPr lang="en-US" sz="1400" dirty="0" smtClean="0">
+                <a:hlinkClick r:id="rId2"/>
+              </a:rPr>
+              <a:t>/</a:t>
+            </a:r>
+            <a:br>
+              <a:rPr lang="en-US" sz="1400" dirty="0" smtClean="0">
+                <a:hlinkClick r:id="rId2"/>
+              </a:rPr>
+            </a:br>
+            <a:r>
+              <a:rPr lang="en-US" sz="1400" dirty="0" smtClean="0">
+                <a:hlinkClick r:id="rId2"/>
+              </a:rPr>
+              <a:t>papers.cfm</a:t>
+            </a:r>
+            <a:r>
+              <a:rPr lang="en-US" sz="1400" dirty="0">
+                <a:hlinkClick r:id="rId2"/>
+              </a:rPr>
+              <a:t>?abstract_id=</a:t>
+            </a:r>
+            <a:r>
+              <a:rPr lang="en-US" sz="1400" dirty="0" smtClean="0">
+                <a:hlinkClick r:id="rId2"/>
+              </a:rPr>
+              <a:t>2038665</a:t>
+            </a:r>
+            <a:r>
+              <a:rPr lang="en-US" sz="1400" dirty="0" smtClean="0"/>
+              <a:t> </a:t>
+            </a:r>
+            <a:endParaRPr lang="en-US" sz="1400" dirty="0"/>
+          </a:p>
+        </p:txBody>
+      </p:sp>
+      <p:pic>
+        <p:nvPicPr>
+          <p:cNvPr id="5" name="Picture 4"/>
+          <p:cNvPicPr>
+            <a:picLocks noChangeAspect="1"/>
+          </p:cNvPicPr>
+          <p:nvPr/>
+        </p:nvPicPr>
+        <p:blipFill>
+          <a:blip r:embed="rId3"/>
+          <a:stretch>
+            <a:fillRect/>
+          </a:stretch>
+        </p:blipFill>
+        <p:spPr>
+          <a:xfrm>
+            <a:off x="3959352" y="274638"/>
+            <a:ext cx="5184648" cy="5642117"/>
+          </a:xfrm>
+          <a:prstGeom prst="rect">
+            <a:avLst/>
+          </a:prstGeom>
+        </p:spPr>
+      </p:pic>
+    </p:spTree>
+    <p:extLst>
+      <p:ext uri="{BB962C8B-B14F-4D97-AF65-F5344CB8AC3E}">
+        <p14:creationId xmlns:p14="http://schemas.microsoft.com/office/powerpoint/2010/main" val="2677343553"/>
+      </p:ext>
+    </p:extLst>
+  </p:cSld>
+  <p:clrMapOvr>
+    <a:masterClrMapping/>
+  </p:clrMapOvr>
+</p:sld>
+</file>
+
+<file path=ppt/slides/slide39.xml><?xml version="1.0" encoding="utf-8"?>
+<p:sld xmlns:a="http://schemas.openxmlformats.org/drawingml/2006/main" xmlns:r="http://schemas.openxmlformats.org/officeDocument/2006/relationships" xmlns:p="http://schemas.openxmlformats.org/presentationml/2006/main">
+  <p:cSld>
+    <p:spTree>
+      <p:nvGrpSpPr>
+        <p:cNvPr id="1" name=""/>
+        <p:cNvGrpSpPr/>
+        <p:nvPr/>
+      </p:nvGrpSpPr>
+      <p:grpSpPr>
+        <a:xfrm>
+          <a:off x="0" y="0"/>
+          <a:ext cx="0" cy="0"/>
+          <a:chOff x="0" y="0"/>
+          <a:chExt cx="0" cy="0"/>
+        </a:xfrm>
+      </p:grpSpPr>
+      <p:sp>
+        <p:nvSpPr>
+          <p:cNvPr id="2" name="Title 1"/>
+          <p:cNvSpPr>
+            <a:spLocks noGrp="1"/>
+          </p:cNvSpPr>
+          <p:nvPr>
+            <p:ph type="title"/>
+          </p:nvPr>
+        </p:nvSpPr>
+        <p:spPr/>
+        <p:txBody>
+          <a:bodyPr>
+            <a:normAutofit/>
+          </a:bodyPr>
+          <a:lstStyle/>
+          <a:p>
+            <a:r>
+              <a:rPr lang="en-US" dirty="0" smtClean="0"/>
+              <a:t>BPMN Case example</a:t>
+            </a:r>
+            <a:r>
+              <a:rPr lang="en-US" dirty="0"/>
+              <a:t/>
+            </a:r>
+            <a:br>
+              <a:rPr lang="en-US" dirty="0"/>
+            </a:br>
+            <a:r>
+              <a:rPr lang="en-US" sz="1200" dirty="0"/>
+              <a:t>Source: </a:t>
+            </a:r>
+            <a:r>
+              <a:rPr lang="en-US" sz="1200" dirty="0">
+                <a:hlinkClick r:id="rId2"/>
+              </a:rPr>
+              <a:t>http://brsilver.com/bpmn-cmmn-compared</a:t>
+            </a:r>
+            <a:r>
+              <a:rPr lang="en-US" sz="1200" dirty="0" smtClean="0">
+                <a:hlinkClick r:id="rId2"/>
+              </a:rPr>
+              <a:t>/</a:t>
+            </a:r>
+            <a:r>
+              <a:rPr lang="en-US" sz="1200" dirty="0" smtClean="0"/>
+              <a:t> </a:t>
+            </a:r>
+            <a:endParaRPr lang="en-US" dirty="0"/>
+          </a:p>
+        </p:txBody>
+      </p:sp>
+      <p:pic>
+        <p:nvPicPr>
+          <p:cNvPr id="5" name="Picture 4"/>
+          <p:cNvPicPr>
+            <a:picLocks noChangeAspect="1"/>
+          </p:cNvPicPr>
+          <p:nvPr/>
+        </p:nvPicPr>
+        <p:blipFill>
+          <a:blip r:embed="rId3"/>
+          <a:stretch>
+            <a:fillRect/>
+          </a:stretch>
+        </p:blipFill>
+        <p:spPr>
+          <a:xfrm>
+            <a:off x="0" y="2147027"/>
+            <a:ext cx="9144000" cy="3694545"/>
+          </a:xfrm>
+          <a:prstGeom prst="rect">
+            <a:avLst/>
+          </a:prstGeom>
+        </p:spPr>
+      </p:pic>
+    </p:spTree>
+    <p:extLst>
+      <p:ext uri="{BB962C8B-B14F-4D97-AF65-F5344CB8AC3E}">
+        <p14:creationId xmlns:p14="http://schemas.microsoft.com/office/powerpoint/2010/main" val="455210491"/>
+      </p:ext>
+    </p:extLst>
+  </p:cSld>
+  <p:clrMapOvr>
+    <a:masterClrMapping/>
+  </p:clrMapOvr>
+</p:sld>
+</file>
+
 <file path=ppt/slides/slide4.xml><?xml version="1.0" encoding="utf-8"?>
 <p:sld xmlns:a="http://schemas.openxmlformats.org/drawingml/2006/main" xmlns:r="http://schemas.openxmlformats.org/officeDocument/2006/relationships" xmlns:p="http://schemas.openxmlformats.org/presentationml/2006/main">
   <p:cSld>
@@ -6612,6 +8032,148 @@
     <p:extLst>
       <p:ext uri="{BB962C8B-B14F-4D97-AF65-F5344CB8AC3E}">
         <p14:creationId xmlns:p14="http://schemas.microsoft.com/office/powerpoint/2010/main" val="1566002181"/>
+      </p:ext>
+    </p:extLst>
+  </p:cSld>
+  <p:clrMapOvr>
+    <a:masterClrMapping/>
+  </p:clrMapOvr>
+</p:sld>
+</file>
+
+<file path=ppt/slides/slide40.xml><?xml version="1.0" encoding="utf-8"?>
+<p:sld xmlns:a="http://schemas.openxmlformats.org/drawingml/2006/main" xmlns:r="http://schemas.openxmlformats.org/officeDocument/2006/relationships" xmlns:p="http://schemas.openxmlformats.org/presentationml/2006/main">
+  <p:cSld>
+    <p:spTree>
+      <p:nvGrpSpPr>
+        <p:cNvPr id="1" name=""/>
+        <p:cNvGrpSpPr/>
+        <p:nvPr/>
+      </p:nvGrpSpPr>
+      <p:grpSpPr>
+        <a:xfrm>
+          <a:off x="0" y="0"/>
+          <a:ext cx="0" cy="0"/>
+          <a:chOff x="0" y="0"/>
+          <a:chExt cx="0" cy="0"/>
+        </a:xfrm>
+      </p:grpSpPr>
+      <p:sp>
+        <p:nvSpPr>
+          <p:cNvPr id="2" name="Title 1"/>
+          <p:cNvSpPr>
+            <a:spLocks noGrp="1"/>
+          </p:cNvSpPr>
+          <p:nvPr>
+            <p:ph type="title"/>
+          </p:nvPr>
+        </p:nvSpPr>
+        <p:spPr/>
+        <p:txBody>
+          <a:bodyPr/>
+          <a:lstStyle/>
+          <a:p>
+            <a:r>
+              <a:rPr lang="en-US" dirty="0" smtClean="0"/>
+              <a:t>Summary</a:t>
+            </a:r>
+            <a:endParaRPr lang="en-US" dirty="0"/>
+          </a:p>
+        </p:txBody>
+      </p:sp>
+      <p:sp>
+        <p:nvSpPr>
+          <p:cNvPr id="3" name="Content Placeholder 2"/>
+          <p:cNvSpPr>
+            <a:spLocks noGrp="1"/>
+          </p:cNvSpPr>
+          <p:nvPr>
+            <p:ph idx="1"/>
+          </p:nvPr>
+        </p:nvSpPr>
+        <p:spPr/>
+        <p:txBody>
+          <a:bodyPr>
+            <a:normAutofit lnSpcReduction="10000"/>
+          </a:bodyPr>
+          <a:lstStyle/>
+          <a:p>
+            <a:r>
+              <a:rPr lang="en-US" sz="2800" dirty="0" smtClean="0"/>
+              <a:t>Process Management has a strong place in composing SOA systems</a:t>
+            </a:r>
+          </a:p>
+          <a:p>
+            <a:pPr lvl="1"/>
+            <a:r>
+              <a:rPr lang="en-US" sz="2400" dirty="0" err="1" smtClean="0"/>
+              <a:t>Externalising</a:t>
+            </a:r>
+            <a:r>
+              <a:rPr lang="en-US" sz="2400" dirty="0" smtClean="0"/>
+              <a:t> dependencies</a:t>
+            </a:r>
+          </a:p>
+          <a:p>
+            <a:pPr lvl="1"/>
+            <a:r>
+              <a:rPr lang="en-US" sz="2400" dirty="0" smtClean="0"/>
+              <a:t>Agility</a:t>
+            </a:r>
+          </a:p>
+          <a:p>
+            <a:pPr lvl="1"/>
+            <a:r>
+              <a:rPr lang="en-US" sz="2400" dirty="0" smtClean="0"/>
+              <a:t>Sharing with the business owners</a:t>
+            </a:r>
+            <a:endParaRPr lang="en-US" sz="2400" dirty="0"/>
+          </a:p>
+          <a:p>
+            <a:r>
+              <a:rPr lang="en-US" sz="2800" dirty="0" smtClean="0"/>
+              <a:t>BPEL is </a:t>
+            </a:r>
+            <a:r>
+              <a:rPr lang="en-US" sz="2800" dirty="0" smtClean="0"/>
+              <a:t>still widely used, but</a:t>
+            </a:r>
+            <a:endParaRPr lang="en-US" sz="2800" dirty="0" smtClean="0"/>
+          </a:p>
+          <a:p>
+            <a:r>
+              <a:rPr lang="en-US" sz="2800" dirty="0" smtClean="0"/>
+              <a:t>BPMN 2.0 is gaining a lot of </a:t>
+            </a:r>
+            <a:r>
+              <a:rPr lang="en-US" sz="2800" dirty="0" smtClean="0"/>
+              <a:t>mindshare</a:t>
+            </a:r>
+          </a:p>
+          <a:p>
+            <a:r>
+              <a:rPr lang="en-US" sz="2800" dirty="0" smtClean="0"/>
+              <a:t>CMMN also has a smaller but active following </a:t>
+            </a:r>
+            <a:endParaRPr lang="en-US" sz="2800" dirty="0" smtClean="0"/>
+          </a:p>
+          <a:p>
+            <a:r>
+              <a:rPr lang="en-US" sz="2800" dirty="0" smtClean="0"/>
+              <a:t>Other approaches like Amazon SWF may also </a:t>
+            </a:r>
+            <a:r>
+              <a:rPr lang="en-US" sz="2800" dirty="0" smtClean="0"/>
+              <a:t>gain traction</a:t>
+            </a:r>
+            <a:endParaRPr lang="en-US" sz="2800" dirty="0"/>
+          </a:p>
+        </p:txBody>
+      </p:sp>
+    </p:spTree>
+    <p:extLst>
+      <p:ext uri="{BB962C8B-B14F-4D97-AF65-F5344CB8AC3E}">
+        <p14:creationId xmlns:p14="http://schemas.microsoft.com/office/powerpoint/2010/main" val="760608713"/>
       </p:ext>
     </p:extLst>
   </p:cSld>
